--- a/cryptoBank Med Moncef Zmander.pptx
+++ b/cryptoBank Med Moncef Zmander.pptx
@@ -134,6 +134,7 @@
 <file path=ppt/revisionInfo.xml><?xml version="1.0" encoding="utf-8"?>
 <p1510:revInfo xmlns:a="http://schemas.openxmlformats.org/drawingml/2006/main" xmlns:r="http://schemas.openxmlformats.org/officeDocument/2006/relationships" xmlns:p1510="http://schemas.microsoft.com/office/powerpoint/2015/10/main">
   <p1510:revLst>
+    <p1510:client id="{4F5708A2-C9ED-A30A-D200-352FDD2A665F}" v="7" dt="2025-02-12T17:48:56.448"/>
     <p1510:client id="{B60209F0-A231-B8AE-6A31-5FD8B5FD65F5}" v="380" dt="2025-02-12T08:52:17.979"/>
   </p1510:revLst>
 </p1510:revInfo>
@@ -9792,10 +9793,10 @@
       </p:sp>
       <p:pic>
         <p:nvPicPr>
-          <p:cNvPr id="5" name="Picture 4" descr="A screenshot of a computer&#10;&#10;AI-generated content may be incorrect.">
+          <p:cNvPr id="4" name="Picture 3">
             <a:extLst>
               <a:ext uri="{FF2B5EF4-FFF2-40B4-BE49-F238E27FC236}">
-                <a16:creationId xmlns:a16="http://schemas.microsoft.com/office/drawing/2014/main" id="{5E20B367-9A22-0DCE-712C-E062DDA59AEE}"/>
+                <a16:creationId xmlns:a16="http://schemas.microsoft.com/office/drawing/2014/main" id="{8A0936A4-897E-6152-D41D-0C8E75FA7D02}"/>
               </a:ext>
             </a:extLst>
           </p:cNvPr>
@@ -9812,8 +9813,8 @@
         </p:blipFill>
         <p:spPr>
           <a:xfrm>
-            <a:off x="6099048" y="1859547"/>
-            <a:ext cx="5458968" cy="3138906"/>
+            <a:off x="6382039" y="375477"/>
+            <a:ext cx="5369315" cy="6107044"/>
           </a:xfrm>
           <a:prstGeom prst="rect">
             <a:avLst/>

--- a/cryptoBank Med Moncef Zmander.pptx
+++ b/cryptoBank Med Moncef Zmander.pptx
@@ -22,9 +22,10 @@
     <p:sldId id="273" r:id="rId16"/>
     <p:sldId id="274" r:id="rId17"/>
     <p:sldId id="275" r:id="rId18"/>
-    <p:sldId id="276" r:id="rId19"/>
-    <p:sldId id="265" r:id="rId20"/>
-    <p:sldId id="266" r:id="rId21"/>
+    <p:sldId id="277" r:id="rId19"/>
+    <p:sldId id="276" r:id="rId20"/>
+    <p:sldId id="265" r:id="rId21"/>
+    <p:sldId id="266" r:id="rId22"/>
   </p:sldIdLst>
   <p:sldSz cx="12192000" cy="6858000"/>
   <p:notesSz cx="6858000" cy="9144000"/>
@@ -135,6 +136,7 @@
 <p1510:revInfo xmlns:a="http://schemas.openxmlformats.org/drawingml/2006/main" xmlns:r="http://schemas.openxmlformats.org/officeDocument/2006/relationships" xmlns:p1510="http://schemas.microsoft.com/office/powerpoint/2015/10/main">
   <p1510:revLst>
     <p1510:client id="{4F5708A2-C9ED-A30A-D200-352FDD2A665F}" v="7" dt="2025-02-12T17:48:56.448"/>
+    <p1510:client id="{7A58FEC1-22F2-3E87-0812-B8DF604BABC8}" v="102" dt="2025-02-13T08:16:41.642"/>
     <p1510:client id="{B60209F0-A231-B8AE-6A31-5FD8B5FD65F5}" v="380" dt="2025-02-12T08:52:17.979"/>
   </p1510:revLst>
 </p1510:revInfo>
@@ -271,7 +273,7 @@
           <a:p>
             <a:fld id="{846CE7D5-CF57-46EF-B807-FDD0502418D4}" type="datetimeFigureOut">
               <a:rPr lang="en-US" smtClean="0"/>
-              <a:t>2/12/2025</a:t>
+              <a:t>2/13/2025</a:t>
             </a:fld>
             <a:endParaRPr lang="en-US"/>
           </a:p>
@@ -313,7 +315,7 @@
           <a:p>
             <a:fld id="{330EA680-D336-4FF7-8B7A-9848BB0A1C32}" type="slidenum">
               <a:rPr lang="en-US" smtClean="0"/>
-              <a:t>‹#›</a:t>
+              <a:t>‹N°›</a:t>
             </a:fld>
             <a:endParaRPr lang="en-US"/>
           </a:p>
@@ -441,7 +443,7 @@
           <a:p>
             <a:fld id="{846CE7D5-CF57-46EF-B807-FDD0502418D4}" type="datetimeFigureOut">
               <a:rPr lang="en-US" smtClean="0"/>
-              <a:t>2/12/2025</a:t>
+              <a:t>2/13/2025</a:t>
             </a:fld>
             <a:endParaRPr lang="en-US"/>
           </a:p>
@@ -483,7 +485,7 @@
           <a:p>
             <a:fld id="{330EA680-D336-4FF7-8B7A-9848BB0A1C32}" type="slidenum">
               <a:rPr lang="en-US" smtClean="0"/>
-              <a:t>‹#›</a:t>
+              <a:t>‹N°›</a:t>
             </a:fld>
             <a:endParaRPr lang="en-US"/>
           </a:p>
@@ -621,7 +623,7 @@
           <a:p>
             <a:fld id="{846CE7D5-CF57-46EF-B807-FDD0502418D4}" type="datetimeFigureOut">
               <a:rPr lang="en-US" smtClean="0"/>
-              <a:t>2/12/2025</a:t>
+              <a:t>2/13/2025</a:t>
             </a:fld>
             <a:endParaRPr lang="en-US"/>
           </a:p>
@@ -663,7 +665,7 @@
           <a:p>
             <a:fld id="{330EA680-D336-4FF7-8B7A-9848BB0A1C32}" type="slidenum">
               <a:rPr lang="en-US" smtClean="0"/>
-              <a:t>‹#›</a:t>
+              <a:t>‹N°›</a:t>
             </a:fld>
             <a:endParaRPr lang="en-US"/>
           </a:p>
@@ -791,7 +793,7 @@
           <a:p>
             <a:fld id="{846CE7D5-CF57-46EF-B807-FDD0502418D4}" type="datetimeFigureOut">
               <a:rPr lang="en-US" smtClean="0"/>
-              <a:t>2/12/2025</a:t>
+              <a:t>2/13/2025</a:t>
             </a:fld>
             <a:endParaRPr lang="en-US"/>
           </a:p>
@@ -833,7 +835,7 @@
           <a:p>
             <a:fld id="{330EA680-D336-4FF7-8B7A-9848BB0A1C32}" type="slidenum">
               <a:rPr lang="en-US" smtClean="0"/>
-              <a:t>‹#›</a:t>
+              <a:t>‹N°›</a:t>
             </a:fld>
             <a:endParaRPr lang="en-US"/>
           </a:p>
@@ -1037,7 +1039,7 @@
           <a:p>
             <a:fld id="{846CE7D5-CF57-46EF-B807-FDD0502418D4}" type="datetimeFigureOut">
               <a:rPr lang="en-US" smtClean="0"/>
-              <a:t>2/12/2025</a:t>
+              <a:t>2/13/2025</a:t>
             </a:fld>
             <a:endParaRPr lang="en-US"/>
           </a:p>
@@ -1079,7 +1081,7 @@
           <a:p>
             <a:fld id="{330EA680-D336-4FF7-8B7A-9848BB0A1C32}" type="slidenum">
               <a:rPr lang="en-US" smtClean="0"/>
-              <a:t>‹#›</a:t>
+              <a:t>‹N°›</a:t>
             </a:fld>
             <a:endParaRPr lang="en-US"/>
           </a:p>
@@ -1269,7 +1271,7 @@
           <a:p>
             <a:fld id="{846CE7D5-CF57-46EF-B807-FDD0502418D4}" type="datetimeFigureOut">
               <a:rPr lang="en-US" smtClean="0"/>
-              <a:t>2/12/2025</a:t>
+              <a:t>2/13/2025</a:t>
             </a:fld>
             <a:endParaRPr lang="en-US"/>
           </a:p>
@@ -1311,7 +1313,7 @@
           <a:p>
             <a:fld id="{330EA680-D336-4FF7-8B7A-9848BB0A1C32}" type="slidenum">
               <a:rPr lang="en-US" smtClean="0"/>
-              <a:t>‹#›</a:t>
+              <a:t>‹N°›</a:t>
             </a:fld>
             <a:endParaRPr lang="en-US"/>
           </a:p>
@@ -1636,7 +1638,7 @@
           <a:p>
             <a:fld id="{846CE7D5-CF57-46EF-B807-FDD0502418D4}" type="datetimeFigureOut">
               <a:rPr lang="en-US" smtClean="0"/>
-              <a:t>2/12/2025</a:t>
+              <a:t>2/13/2025</a:t>
             </a:fld>
             <a:endParaRPr lang="en-US"/>
           </a:p>
@@ -1678,7 +1680,7 @@
           <a:p>
             <a:fld id="{330EA680-D336-4FF7-8B7A-9848BB0A1C32}" type="slidenum">
               <a:rPr lang="en-US" smtClean="0"/>
-              <a:t>‹#›</a:t>
+              <a:t>‹N°›</a:t>
             </a:fld>
             <a:endParaRPr lang="en-US"/>
           </a:p>
@@ -1754,7 +1756,7 @@
           <a:p>
             <a:fld id="{846CE7D5-CF57-46EF-B807-FDD0502418D4}" type="datetimeFigureOut">
               <a:rPr lang="en-US" smtClean="0"/>
-              <a:t>2/12/2025</a:t>
+              <a:t>2/13/2025</a:t>
             </a:fld>
             <a:endParaRPr lang="en-US"/>
           </a:p>
@@ -1796,7 +1798,7 @@
           <a:p>
             <a:fld id="{330EA680-D336-4FF7-8B7A-9848BB0A1C32}" type="slidenum">
               <a:rPr lang="en-US" smtClean="0"/>
-              <a:t>‹#›</a:t>
+              <a:t>‹N°›</a:t>
             </a:fld>
             <a:endParaRPr lang="en-US"/>
           </a:p>
@@ -1849,7 +1851,7 @@
           <a:p>
             <a:fld id="{846CE7D5-CF57-46EF-B807-FDD0502418D4}" type="datetimeFigureOut">
               <a:rPr lang="en-US" smtClean="0"/>
-              <a:t>2/12/2025</a:t>
+              <a:t>2/13/2025</a:t>
             </a:fld>
             <a:endParaRPr lang="en-US"/>
           </a:p>
@@ -1891,7 +1893,7 @@
           <a:p>
             <a:fld id="{330EA680-D336-4FF7-8B7A-9848BB0A1C32}" type="slidenum">
               <a:rPr lang="en-US" smtClean="0"/>
-              <a:t>‹#›</a:t>
+              <a:t>‹N°›</a:t>
             </a:fld>
             <a:endParaRPr lang="en-US"/>
           </a:p>
@@ -2126,7 +2128,7 @@
           <a:p>
             <a:fld id="{846CE7D5-CF57-46EF-B807-FDD0502418D4}" type="datetimeFigureOut">
               <a:rPr lang="en-US" smtClean="0"/>
-              <a:t>2/12/2025</a:t>
+              <a:t>2/13/2025</a:t>
             </a:fld>
             <a:endParaRPr lang="en-US"/>
           </a:p>
@@ -2168,7 +2170,7 @@
           <a:p>
             <a:fld id="{330EA680-D336-4FF7-8B7A-9848BB0A1C32}" type="slidenum">
               <a:rPr lang="en-US" smtClean="0"/>
-              <a:t>‹#›</a:t>
+              <a:t>‹N°›</a:t>
             </a:fld>
             <a:endParaRPr lang="en-US"/>
           </a:p>
@@ -2383,7 +2385,7 @@
           <a:p>
             <a:fld id="{846CE7D5-CF57-46EF-B807-FDD0502418D4}" type="datetimeFigureOut">
               <a:rPr lang="en-US" smtClean="0"/>
-              <a:t>2/12/2025</a:t>
+              <a:t>2/13/2025</a:t>
             </a:fld>
             <a:endParaRPr lang="en-US"/>
           </a:p>
@@ -2425,7 +2427,7 @@
           <a:p>
             <a:fld id="{330EA680-D336-4FF7-8B7A-9848BB0A1C32}" type="slidenum">
               <a:rPr lang="en-US" smtClean="0"/>
-              <a:t>‹#›</a:t>
+              <a:t>‹N°›</a:t>
             </a:fld>
             <a:endParaRPr lang="en-US"/>
           </a:p>
@@ -2596,7 +2598,7 @@
           <a:p>
             <a:fld id="{846CE7D5-CF57-46EF-B807-FDD0502418D4}" type="datetimeFigureOut">
               <a:rPr lang="en-US" smtClean="0"/>
-              <a:t>2/12/2025</a:t>
+              <a:t>2/13/2025</a:t>
             </a:fld>
             <a:endParaRPr lang="en-US"/>
           </a:p>
@@ -2674,7 +2676,7 @@
           <a:p>
             <a:fld id="{330EA680-D336-4FF7-8B7A-9848BB0A1C32}" type="slidenum">
               <a:rPr lang="en-US" smtClean="0"/>
-              <a:t>‹#›</a:t>
+              <a:t>‹N°›</a:t>
             </a:fld>
             <a:endParaRPr lang="en-US"/>
           </a:p>
@@ -3197,7 +3199,7 @@
         <p:spPr>
           <a:xfrm>
             <a:off x="477981" y="1122363"/>
-            <a:ext cx="4023360" cy="3204134"/>
+            <a:ext cx="4182796" cy="3204134"/>
           </a:xfrm>
         </p:spPr>
         <p:txBody>
@@ -3208,13 +3210,20 @@
           <a:p>
             <a:pPr algn="l"/>
             <a:r>
-              <a:rPr lang="en-US" sz="4800">
+              <a:rPr lang="en-US" sz="4800" dirty="0">
                 <a:ea typeface="+mj-lt"/>
                 <a:cs typeface="+mj-lt"/>
               </a:rPr>
-              <a:t>Rapport sur la Solution de Cryptomonnaie</a:t>
-            </a:r>
-            <a:endParaRPr lang="en-US" sz="4800"/>
+              <a:t>Rapport sur la Solution de </a:t>
+            </a:r>
+            <a:r>
+              <a:rPr lang="en-US" sz="4800" dirty="0" err="1">
+                <a:ea typeface="+mj-lt"/>
+                <a:cs typeface="+mj-lt"/>
+              </a:rPr>
+              <a:t>Cryptomonnaie</a:t>
+            </a:r>
+            <a:endParaRPr lang="en-US" sz="4800" dirty="0"/>
           </a:p>
         </p:txBody>
       </p:sp>
@@ -4146,7 +4155,7 @@
             <a:round/>
             <a:extLst>
               <a:ext uri="{C807C97D-BFC1-408E-A445-0C87EB9F89A2}">
-                <ask:lineSketchStyleProps xmlns:ask="http://schemas.microsoft.com/office/drawing/2018/sketchyshapes" sd="1219033472">
+                <ask:lineSketchStyleProps xmlns:ask="http://schemas.microsoft.com/office/drawing/2018/sketchyshapes" xmlns="" sd="1219033472">
                   <a:prstGeom prst="rect">
                     <a:avLst/>
                   </a:prstGeom>
@@ -5197,7 +5206,7 @@
             <a:round/>
             <a:extLst>
               <a:ext uri="{C807C97D-BFC1-408E-A445-0C87EB9F89A2}">
-                <ask:lineSketchStyleProps xmlns:ask="http://schemas.microsoft.com/office/drawing/2018/sketchyshapes" sd="2863741219">
+                <ask:lineSketchStyleProps xmlns:ask="http://schemas.microsoft.com/office/drawing/2018/sketchyshapes" xmlns="" sd="2863741219">
                   <a:prstGeom prst="rect">
                     <a:avLst/>
                   </a:prstGeom>
@@ -5715,7 +5724,7 @@
             <a:round/>
             <a:extLst>
               <a:ext uri="{C807C97D-BFC1-408E-A445-0C87EB9F89A2}">
-                <ask:lineSketchStyleProps xmlns:ask="http://schemas.microsoft.com/office/drawing/2018/sketchyshapes" sd="2863741219">
+                <ask:lineSketchStyleProps xmlns:ask="http://schemas.microsoft.com/office/drawing/2018/sketchyshapes" xmlns="" sd="2863741219">
                   <a:prstGeom prst="rect">
                     <a:avLst/>
                   </a:prstGeom>
@@ -6618,7 +6627,7 @@
             <a:round/>
             <a:extLst>
               <a:ext uri="{C807C97D-BFC1-408E-A445-0C87EB9F89A2}">
-                <ask:lineSketchStyleProps xmlns:ask="http://schemas.microsoft.com/office/drawing/2018/sketchyshapes" sd="1219033472">
+                <ask:lineSketchStyleProps xmlns:ask="http://schemas.microsoft.com/office/drawing/2018/sketchyshapes" xmlns="" sd="1219033472">
                   <a:prstGeom prst="rect">
                     <a:avLst/>
                   </a:prstGeom>
@@ -7558,7 +7567,7 @@
             <a:round/>
             <a:extLst>
               <a:ext uri="{C807C97D-BFC1-408E-A445-0C87EB9F89A2}">
-                <ask:lineSketchStyleProps xmlns:ask="http://schemas.microsoft.com/office/drawing/2018/sketchyshapes" sd="1219033472">
+                <ask:lineSketchStyleProps xmlns:ask="http://schemas.microsoft.com/office/drawing/2018/sketchyshapes" xmlns="" sd="1219033472">
                   <a:prstGeom prst="rect">
                     <a:avLst/>
                   </a:prstGeom>
@@ -8606,7 +8615,7 @@
             <a:round/>
             <a:extLst>
               <a:ext uri="{C807C97D-BFC1-408E-A445-0C87EB9F89A2}">
-                <ask:lineSketchStyleProps xmlns:ask="http://schemas.microsoft.com/office/drawing/2018/sketchyshapes" sd="1219033472">
+                <ask:lineSketchStyleProps xmlns:ask="http://schemas.microsoft.com/office/drawing/2018/sketchyshapes" xmlns="" sd="1219033472">
                   <a:prstGeom prst="rect">
                     <a:avLst/>
                   </a:prstGeom>
@@ -9518,7 +9527,7 @@
             <a:round/>
             <a:extLst>
               <a:ext uri="{C807C97D-BFC1-408E-A445-0C87EB9F89A2}">
-                <ask:lineSketchStyleProps xmlns:ask="http://schemas.microsoft.com/office/drawing/2018/sketchyshapes" sd="1219033472">
+                <ask:lineSketchStyleProps xmlns:ask="http://schemas.microsoft.com/office/drawing/2018/sketchyshapes" xmlns="" sd="1219033472">
                   <a:prstGeom prst="rect">
                     <a:avLst/>
                   </a:prstGeom>
@@ -9867,10 +9876,10 @@
       </p:grpSpPr>
       <p:sp useBgFill="1">
         <p:nvSpPr>
-          <p:cNvPr id="43" name="Rectangle 42">
+          <p:cNvPr id="68" name="Rectangle 67">
             <a:extLst>
               <a:ext uri="{FF2B5EF4-FFF2-40B4-BE49-F238E27FC236}">
-                <a16:creationId xmlns:a16="http://schemas.microsoft.com/office/drawing/2014/main" id="{100EDD19-6802-4EC3-95CE-CFFAB042CFD6}"/>
+                <a16:creationId xmlns:a16="http://schemas.microsoft.com/office/drawing/2014/main" id="{777A147A-9ED8-46B4-8660-1B3C2AA880B5}"/>
               </a:ext>
               <a:ext uri="{C183D7F6-B498-43B3-948B-1728B52AA6E4}">
                 <adec:decorative xmlns:adec="http://schemas.microsoft.com/office/drawing/2017/decorative" val="1"/>
@@ -9943,6 +9952,1752 @@
         </p:nvSpPr>
         <p:spPr>
           <a:xfrm>
+            <a:off x="841248" y="548640"/>
+            <a:ext cx="3600860" cy="5431536"/>
+          </a:xfrm>
+        </p:spPr>
+        <p:txBody>
+          <a:bodyPr>
+            <a:normAutofit/>
+          </a:bodyPr>
+          <a:lstStyle/>
+          <a:p>
+            <a:r>
+              <a:rPr lang="en-US" sz="5400" dirty="0">
+                <a:ea typeface="+mj-lt"/>
+                <a:cs typeface="+mj-lt"/>
+              </a:rPr>
+              <a:t>Nos Services</a:t>
+            </a:r>
+            <a:endParaRPr lang="en-US" sz="5400"/>
+          </a:p>
+        </p:txBody>
+      </p:sp>
+      <p:sp>
+        <p:nvSpPr>
+          <p:cNvPr id="69" name="sketch line">
+            <a:extLst>
+              <a:ext uri="{FF2B5EF4-FFF2-40B4-BE49-F238E27FC236}">
+                <a16:creationId xmlns:a16="http://schemas.microsoft.com/office/drawing/2014/main" id="{5D6C15A0-C087-4593-8414-2B4EC1CDC3DE}"/>
+              </a:ext>
+              <a:ext uri="{C183D7F6-B498-43B3-948B-1728B52AA6E4}">
+                <adec:decorative xmlns:adec="http://schemas.microsoft.com/office/drawing/2017/decorative" val="1"/>
+              </a:ext>
+            </a:extLst>
+          </p:cNvPr>
+          <p:cNvSpPr>
+            <a:spLocks noGrp="1" noRot="1" noChangeAspect="1" noMove="1" noResize="1" noEditPoints="1" noAdjustHandles="1" noChangeArrowheads="1" noChangeShapeType="1" noTextEdit="1"/>
+          </p:cNvSpPr>
+          <p:nvPr>
+            <p:extLst>
+              <p:ext uri="{386F3935-93C4-4BCD-93E2-E3B085C9AB24}">
+                <p16:designElem xmlns:p16="http://schemas.microsoft.com/office/powerpoint/2015/main" val="1"/>
+              </p:ext>
+            </p:extLst>
+          </p:nvPr>
+        </p:nvSpPr>
+        <p:spPr>
+          <a:xfrm rot="5400000">
+            <a:off x="2543983" y="3258715"/>
+            <a:ext cx="4480560" cy="18288"/>
+          </a:xfrm>
+          <a:custGeom>
+            <a:avLst/>
+            <a:gdLst>
+              <a:gd name="connsiteX0" fmla="*/ 0 w 4480560"/>
+              <a:gd name="connsiteY0" fmla="*/ 0 h 18288"/>
+              <a:gd name="connsiteX1" fmla="*/ 595274 w 4480560"/>
+              <a:gd name="connsiteY1" fmla="*/ 0 h 18288"/>
+              <a:gd name="connsiteX2" fmla="*/ 1100938 w 4480560"/>
+              <a:gd name="connsiteY2" fmla="*/ 0 h 18288"/>
+              <a:gd name="connsiteX3" fmla="*/ 1651406 w 4480560"/>
+              <a:gd name="connsiteY3" fmla="*/ 0 h 18288"/>
+              <a:gd name="connsiteX4" fmla="*/ 2336292 w 4480560"/>
+              <a:gd name="connsiteY4" fmla="*/ 0 h 18288"/>
+              <a:gd name="connsiteX5" fmla="*/ 2931566 w 4480560"/>
+              <a:gd name="connsiteY5" fmla="*/ 0 h 18288"/>
+              <a:gd name="connsiteX6" fmla="*/ 3482035 w 4480560"/>
+              <a:gd name="connsiteY6" fmla="*/ 0 h 18288"/>
+              <a:gd name="connsiteX7" fmla="*/ 4480560 w 4480560"/>
+              <a:gd name="connsiteY7" fmla="*/ 0 h 18288"/>
+              <a:gd name="connsiteX8" fmla="*/ 4480560 w 4480560"/>
+              <a:gd name="connsiteY8" fmla="*/ 18288 h 18288"/>
+              <a:gd name="connsiteX9" fmla="*/ 3840480 w 4480560"/>
+              <a:gd name="connsiteY9" fmla="*/ 18288 h 18288"/>
+              <a:gd name="connsiteX10" fmla="*/ 3290011 w 4480560"/>
+              <a:gd name="connsiteY10" fmla="*/ 18288 h 18288"/>
+              <a:gd name="connsiteX11" fmla="*/ 2560320 w 4480560"/>
+              <a:gd name="connsiteY11" fmla="*/ 18288 h 18288"/>
+              <a:gd name="connsiteX12" fmla="*/ 1965046 w 4480560"/>
+              <a:gd name="connsiteY12" fmla="*/ 18288 h 18288"/>
+              <a:gd name="connsiteX13" fmla="*/ 1459382 w 4480560"/>
+              <a:gd name="connsiteY13" fmla="*/ 18288 h 18288"/>
+              <a:gd name="connsiteX14" fmla="*/ 774497 w 4480560"/>
+              <a:gd name="connsiteY14" fmla="*/ 18288 h 18288"/>
+              <a:gd name="connsiteX15" fmla="*/ 0 w 4480560"/>
+              <a:gd name="connsiteY15" fmla="*/ 18288 h 18288"/>
+              <a:gd name="connsiteX16" fmla="*/ 0 w 4480560"/>
+              <a:gd name="connsiteY16" fmla="*/ 0 h 18288"/>
+            </a:gdLst>
+            <a:ahLst/>
+            <a:cxnLst>
+              <a:cxn ang="0">
+                <a:pos x="connsiteX0" y="connsiteY0"/>
+              </a:cxn>
+              <a:cxn ang="0">
+                <a:pos x="connsiteX1" y="connsiteY1"/>
+              </a:cxn>
+              <a:cxn ang="0">
+                <a:pos x="connsiteX2" y="connsiteY2"/>
+              </a:cxn>
+              <a:cxn ang="0">
+                <a:pos x="connsiteX3" y="connsiteY3"/>
+              </a:cxn>
+              <a:cxn ang="0">
+                <a:pos x="connsiteX4" y="connsiteY4"/>
+              </a:cxn>
+              <a:cxn ang="0">
+                <a:pos x="connsiteX5" y="connsiteY5"/>
+              </a:cxn>
+              <a:cxn ang="0">
+                <a:pos x="connsiteX6" y="connsiteY6"/>
+              </a:cxn>
+              <a:cxn ang="0">
+                <a:pos x="connsiteX7" y="connsiteY7"/>
+              </a:cxn>
+              <a:cxn ang="0">
+                <a:pos x="connsiteX8" y="connsiteY8"/>
+              </a:cxn>
+              <a:cxn ang="0">
+                <a:pos x="connsiteX9" y="connsiteY9"/>
+              </a:cxn>
+              <a:cxn ang="0">
+                <a:pos x="connsiteX10" y="connsiteY10"/>
+              </a:cxn>
+              <a:cxn ang="0">
+                <a:pos x="connsiteX11" y="connsiteY11"/>
+              </a:cxn>
+              <a:cxn ang="0">
+                <a:pos x="connsiteX12" y="connsiteY12"/>
+              </a:cxn>
+              <a:cxn ang="0">
+                <a:pos x="connsiteX13" y="connsiteY13"/>
+              </a:cxn>
+              <a:cxn ang="0">
+                <a:pos x="connsiteX14" y="connsiteY14"/>
+              </a:cxn>
+              <a:cxn ang="0">
+                <a:pos x="connsiteX15" y="connsiteY15"/>
+              </a:cxn>
+              <a:cxn ang="0">
+                <a:pos x="connsiteX16" y="connsiteY16"/>
+              </a:cxn>
+            </a:cxnLst>
+            <a:rect l="l" t="t" r="r" b="b"/>
+            <a:pathLst>
+              <a:path w="4480560" h="18288" fill="none" extrusionOk="0">
+                <a:moveTo>
+                  <a:pt x="0" y="0"/>
+                </a:moveTo>
+                <a:cubicBezTo>
+                  <a:pt x="267821" y="8731"/>
+                  <a:pt x="334105" y="2629"/>
+                  <a:pt x="595274" y="0"/>
+                </a:cubicBezTo>
+                <a:cubicBezTo>
+                  <a:pt x="856443" y="-2629"/>
+                  <a:pt x="863808" y="-13353"/>
+                  <a:pt x="1100938" y="0"/>
+                </a:cubicBezTo>
+                <a:cubicBezTo>
+                  <a:pt x="1338068" y="13353"/>
+                  <a:pt x="1431663" y="-25862"/>
+                  <a:pt x="1651406" y="0"/>
+                </a:cubicBezTo>
+                <a:cubicBezTo>
+                  <a:pt x="1871149" y="25862"/>
+                  <a:pt x="2173163" y="23827"/>
+                  <a:pt x="2336292" y="0"/>
+                </a:cubicBezTo>
+                <a:cubicBezTo>
+                  <a:pt x="2499421" y="-23827"/>
+                  <a:pt x="2720589" y="28148"/>
+                  <a:pt x="2931566" y="0"/>
+                </a:cubicBezTo>
+                <a:cubicBezTo>
+                  <a:pt x="3142543" y="-28148"/>
+                  <a:pt x="3323630" y="27022"/>
+                  <a:pt x="3482035" y="0"/>
+                </a:cubicBezTo>
+                <a:cubicBezTo>
+                  <a:pt x="3640440" y="-27022"/>
+                  <a:pt x="4012110" y="-20118"/>
+                  <a:pt x="4480560" y="0"/>
+                </a:cubicBezTo>
+                <a:cubicBezTo>
+                  <a:pt x="4480958" y="7429"/>
+                  <a:pt x="4480540" y="10822"/>
+                  <a:pt x="4480560" y="18288"/>
+                </a:cubicBezTo>
+                <a:cubicBezTo>
+                  <a:pt x="4314132" y="14924"/>
+                  <a:pt x="4028383" y="36632"/>
+                  <a:pt x="3840480" y="18288"/>
+                </a:cubicBezTo>
+                <a:cubicBezTo>
+                  <a:pt x="3652577" y="-56"/>
+                  <a:pt x="3547615" y="2848"/>
+                  <a:pt x="3290011" y="18288"/>
+                </a:cubicBezTo>
+                <a:cubicBezTo>
+                  <a:pt x="3032407" y="33728"/>
+                  <a:pt x="2830268" y="8719"/>
+                  <a:pt x="2560320" y="18288"/>
+                </a:cubicBezTo>
+                <a:cubicBezTo>
+                  <a:pt x="2290372" y="27857"/>
+                  <a:pt x="2147422" y="6728"/>
+                  <a:pt x="1965046" y="18288"/>
+                </a:cubicBezTo>
+                <a:cubicBezTo>
+                  <a:pt x="1782670" y="29848"/>
+                  <a:pt x="1689791" y="40680"/>
+                  <a:pt x="1459382" y="18288"/>
+                </a:cubicBezTo>
+                <a:cubicBezTo>
+                  <a:pt x="1228973" y="-4104"/>
+                  <a:pt x="915486" y="36501"/>
+                  <a:pt x="774497" y="18288"/>
+                </a:cubicBezTo>
+                <a:cubicBezTo>
+                  <a:pt x="633508" y="75"/>
+                  <a:pt x="361442" y="-11107"/>
+                  <a:pt x="0" y="18288"/>
+                </a:cubicBezTo>
+                <a:cubicBezTo>
+                  <a:pt x="-591" y="13205"/>
+                  <a:pt x="-663" y="6329"/>
+                  <a:pt x="0" y="0"/>
+                </a:cubicBezTo>
+                <a:close/>
+              </a:path>
+              <a:path w="4480560" h="18288" stroke="0" extrusionOk="0">
+                <a:moveTo>
+                  <a:pt x="0" y="0"/>
+                </a:moveTo>
+                <a:cubicBezTo>
+                  <a:pt x="285465" y="225"/>
+                  <a:pt x="322691" y="16223"/>
+                  <a:pt x="595274" y="0"/>
+                </a:cubicBezTo>
+                <a:cubicBezTo>
+                  <a:pt x="867857" y="-16223"/>
+                  <a:pt x="989129" y="-11242"/>
+                  <a:pt x="1100938" y="0"/>
+                </a:cubicBezTo>
+                <a:cubicBezTo>
+                  <a:pt x="1212747" y="11242"/>
+                  <a:pt x="1574350" y="-36410"/>
+                  <a:pt x="1830629" y="0"/>
+                </a:cubicBezTo>
+                <a:cubicBezTo>
+                  <a:pt x="2086908" y="36410"/>
+                  <a:pt x="2180922" y="4645"/>
+                  <a:pt x="2425903" y="0"/>
+                </a:cubicBezTo>
+                <a:cubicBezTo>
+                  <a:pt x="2670884" y="-4645"/>
+                  <a:pt x="2782024" y="22929"/>
+                  <a:pt x="3021178" y="0"/>
+                </a:cubicBezTo>
+                <a:cubicBezTo>
+                  <a:pt x="3260332" y="-22929"/>
+                  <a:pt x="3456982" y="-1586"/>
+                  <a:pt x="3750869" y="0"/>
+                </a:cubicBezTo>
+                <a:cubicBezTo>
+                  <a:pt x="4044756" y="1586"/>
+                  <a:pt x="4302726" y="17043"/>
+                  <a:pt x="4480560" y="0"/>
+                </a:cubicBezTo>
+                <a:cubicBezTo>
+                  <a:pt x="4479674" y="5429"/>
+                  <a:pt x="4481381" y="14046"/>
+                  <a:pt x="4480560" y="18288"/>
+                </a:cubicBezTo>
+                <a:cubicBezTo>
+                  <a:pt x="4279652" y="-6850"/>
+                  <a:pt x="4200762" y="41566"/>
+                  <a:pt x="3930091" y="18288"/>
+                </a:cubicBezTo>
+                <a:cubicBezTo>
+                  <a:pt x="3659420" y="-4990"/>
+                  <a:pt x="3456052" y="22294"/>
+                  <a:pt x="3290011" y="18288"/>
+                </a:cubicBezTo>
+                <a:cubicBezTo>
+                  <a:pt x="3123970" y="14282"/>
+                  <a:pt x="2882392" y="32818"/>
+                  <a:pt x="2649931" y="18288"/>
+                </a:cubicBezTo>
+                <a:cubicBezTo>
+                  <a:pt x="2417470" y="3758"/>
+                  <a:pt x="2238426" y="7337"/>
+                  <a:pt x="2054657" y="18288"/>
+                </a:cubicBezTo>
+                <a:cubicBezTo>
+                  <a:pt x="1870888" y="29239"/>
+                  <a:pt x="1566368" y="45040"/>
+                  <a:pt x="1324966" y="18288"/>
+                </a:cubicBezTo>
+                <a:cubicBezTo>
+                  <a:pt x="1083564" y="-8464"/>
+                  <a:pt x="787410" y="10946"/>
+                  <a:pt x="595274" y="18288"/>
+                </a:cubicBezTo>
+                <a:cubicBezTo>
+                  <a:pt x="403138" y="25630"/>
+                  <a:pt x="169622" y="10499"/>
+                  <a:pt x="0" y="18288"/>
+                </a:cubicBezTo>
+                <a:cubicBezTo>
+                  <a:pt x="668" y="13665"/>
+                  <a:pt x="578" y="5675"/>
+                  <a:pt x="0" y="0"/>
+                </a:cubicBezTo>
+                <a:close/>
+              </a:path>
+            </a:pathLst>
+          </a:custGeom>
+          <a:solidFill>
+            <a:schemeClr val="accent2"/>
+          </a:solidFill>
+          <a:ln w="41275" cap="rnd">
+            <a:solidFill>
+              <a:schemeClr val="accent2"/>
+            </a:solidFill>
+            <a:round/>
+            <a:extLst>
+              <a:ext uri="{C807C97D-BFC1-408E-A445-0C87EB9F89A2}">
+                <ask:lineSketchStyleProps xmlns:ask="http://schemas.microsoft.com/office/drawing/2018/sketchyshapes" xmlns="" sd="1219033472">
+                  <a:prstGeom prst="rect">
+                    <a:avLst/>
+                  </a:prstGeom>
+                  <ask:type>
+                    <ask:lineSketchFreehand/>
+                  </ask:type>
+                </ask:lineSketchStyleProps>
+              </a:ext>
+            </a:extLst>
+          </a:ln>
+        </p:spPr>
+        <p:style>
+          <a:lnRef idx="2">
+            <a:schemeClr val="accent1">
+              <a:shade val="50000"/>
+            </a:schemeClr>
+          </a:lnRef>
+          <a:fillRef idx="1">
+            <a:schemeClr val="accent1"/>
+          </a:fillRef>
+          <a:effectRef idx="0">
+            <a:schemeClr val="accent1"/>
+          </a:effectRef>
+          <a:fontRef idx="minor">
+            <a:schemeClr val="lt1"/>
+          </a:fontRef>
+        </p:style>
+        <p:txBody>
+          <a:bodyPr rtlCol="0" anchor="ctr"/>
+          <a:lstStyle/>
+          <a:p>
+            <a:pPr algn="ctr"/>
+            <a:endParaRPr lang="en-US"/>
+          </a:p>
+        </p:txBody>
+      </p:sp>
+      <p:sp>
+        <p:nvSpPr>
+          <p:cNvPr id="3" name="Content Placeholder 2">
+            <a:extLst>
+              <a:ext uri="{FF2B5EF4-FFF2-40B4-BE49-F238E27FC236}">
+                <a16:creationId xmlns:a16="http://schemas.microsoft.com/office/drawing/2014/main" id="{100B63F1-EEA9-83CF-BC4E-171C0F5F7419}"/>
+              </a:ext>
+            </a:extLst>
+          </p:cNvPr>
+          <p:cNvSpPr>
+            <a:spLocks noGrp="1"/>
+          </p:cNvSpPr>
+          <p:nvPr>
+            <p:ph idx="1"/>
+          </p:nvPr>
+        </p:nvSpPr>
+        <p:spPr>
+          <a:xfrm>
+            <a:off x="5126418" y="312009"/>
+            <a:ext cx="6819321" cy="6412741"/>
+          </a:xfrm>
+        </p:spPr>
+        <p:txBody>
+          <a:bodyPr vert="horz" lIns="91440" tIns="45720" rIns="91440" bIns="45720" rtlCol="0" anchor="ctr">
+            <a:noAutofit/>
+          </a:bodyPr>
+          <a:lstStyle/>
+          <a:p>
+            <a:pPr marL="0" indent="0">
+              <a:buNone/>
+            </a:pPr>
+            <a:endParaRPr lang="en-US" sz="1200" dirty="0">
+              <a:ea typeface="+mn-lt"/>
+              <a:cs typeface="+mn-lt"/>
+            </a:endParaRPr>
+          </a:p>
+          <a:p>
+            <a:pPr marL="0" indent="0">
+              <a:buNone/>
+            </a:pPr>
+            <a:endParaRPr lang="en-US" sz="1200" dirty="0">
+              <a:ea typeface="+mn-lt"/>
+              <a:cs typeface="+mn-lt"/>
+            </a:endParaRPr>
+          </a:p>
+          <a:p>
+            <a:pPr marL="0" indent="0">
+              <a:buNone/>
+            </a:pPr>
+            <a:endParaRPr lang="en-US" sz="1200" dirty="0">
+              <a:ea typeface="+mn-lt"/>
+              <a:cs typeface="+mn-lt"/>
+            </a:endParaRPr>
+          </a:p>
+          <a:p>
+            <a:pPr marL="0" indent="0">
+              <a:buNone/>
+            </a:pPr>
+            <a:r>
+              <a:rPr lang="en-US" sz="1200" dirty="0">
+                <a:ea typeface="+mn-lt"/>
+                <a:cs typeface="+mn-lt"/>
+              </a:rPr>
+              <a:t>Crypto Bank propose </a:t>
+            </a:r>
+            <a:r>
+              <a:rPr lang="en-US" sz="1200" dirty="0" err="1">
+                <a:ea typeface="+mn-lt"/>
+                <a:cs typeface="+mn-lt"/>
+              </a:rPr>
+              <a:t>une</a:t>
+            </a:r>
+            <a:r>
+              <a:rPr lang="en-US" sz="1200" dirty="0">
+                <a:ea typeface="+mn-lt"/>
+                <a:cs typeface="+mn-lt"/>
+              </a:rPr>
+              <a:t> </a:t>
+            </a:r>
+            <a:r>
+              <a:rPr lang="en-US" sz="1200" dirty="0" err="1">
+                <a:ea typeface="+mn-lt"/>
+                <a:cs typeface="+mn-lt"/>
+              </a:rPr>
+              <a:t>gamme</a:t>
+            </a:r>
+            <a:r>
+              <a:rPr lang="en-US" sz="1200" dirty="0">
+                <a:ea typeface="+mn-lt"/>
+                <a:cs typeface="+mn-lt"/>
+              </a:rPr>
+              <a:t> </a:t>
+            </a:r>
+            <a:r>
+              <a:rPr lang="en-US" sz="1200" dirty="0" err="1">
+                <a:ea typeface="+mn-lt"/>
+                <a:cs typeface="+mn-lt"/>
+              </a:rPr>
+              <a:t>complète</a:t>
+            </a:r>
+            <a:r>
+              <a:rPr lang="en-US" sz="1200" dirty="0">
+                <a:ea typeface="+mn-lt"/>
+                <a:cs typeface="+mn-lt"/>
+              </a:rPr>
+              <a:t> de services financiers </a:t>
+            </a:r>
+            <a:r>
+              <a:rPr lang="en-US" sz="1200" dirty="0" err="1">
+                <a:ea typeface="+mn-lt"/>
+                <a:cs typeface="+mn-lt"/>
+              </a:rPr>
+              <a:t>numériques</a:t>
+            </a:r>
+            <a:r>
+              <a:rPr lang="en-US" sz="1200" dirty="0">
+                <a:ea typeface="+mn-lt"/>
+                <a:cs typeface="+mn-lt"/>
+              </a:rPr>
+              <a:t> pour </a:t>
+            </a:r>
+            <a:r>
+              <a:rPr lang="en-US" sz="1200" dirty="0" err="1">
+                <a:ea typeface="+mn-lt"/>
+                <a:cs typeface="+mn-lt"/>
+              </a:rPr>
+              <a:t>répondre</a:t>
+            </a:r>
+            <a:r>
+              <a:rPr lang="en-US" sz="1200" dirty="0">
+                <a:ea typeface="+mn-lt"/>
+                <a:cs typeface="+mn-lt"/>
+              </a:rPr>
+              <a:t> aux </a:t>
+            </a:r>
+            <a:r>
+              <a:rPr lang="en-US" sz="1200" dirty="0" err="1">
+                <a:ea typeface="+mn-lt"/>
+                <a:cs typeface="+mn-lt"/>
+              </a:rPr>
+              <a:t>besoins</a:t>
+            </a:r>
+            <a:r>
+              <a:rPr lang="en-US" sz="1200" dirty="0">
+                <a:ea typeface="+mn-lt"/>
+                <a:cs typeface="+mn-lt"/>
+              </a:rPr>
+              <a:t> des </a:t>
+            </a:r>
+            <a:r>
+              <a:rPr lang="en-US" sz="1200" dirty="0" err="1">
+                <a:ea typeface="+mn-lt"/>
+                <a:cs typeface="+mn-lt"/>
+              </a:rPr>
+              <a:t>particuliers</a:t>
+            </a:r>
+            <a:r>
+              <a:rPr lang="en-US" sz="1200" dirty="0">
+                <a:ea typeface="+mn-lt"/>
+                <a:cs typeface="+mn-lt"/>
+              </a:rPr>
+              <a:t> et des </a:t>
+            </a:r>
+            <a:r>
+              <a:rPr lang="en-US" sz="1200" dirty="0" err="1">
+                <a:ea typeface="+mn-lt"/>
+                <a:cs typeface="+mn-lt"/>
+              </a:rPr>
+              <a:t>entreprises</a:t>
+            </a:r>
+            <a:r>
+              <a:rPr lang="en-US" sz="1200" dirty="0">
+                <a:ea typeface="+mn-lt"/>
+                <a:cs typeface="+mn-lt"/>
+              </a:rPr>
+              <a:t>.</a:t>
+            </a:r>
+            <a:endParaRPr lang="en-US" sz="1200" b="1">
+              <a:ea typeface="+mn-lt"/>
+              <a:cs typeface="+mn-lt"/>
+            </a:endParaRPr>
+          </a:p>
+          <a:p>
+            <a:pPr marL="514350" indent="-514350">
+              <a:buAutoNum type="arabicPeriod"/>
+            </a:pPr>
+            <a:r>
+              <a:rPr lang="en-US" sz="1200" b="1" dirty="0"/>
+              <a:t>Gestion de </a:t>
+            </a:r>
+            <a:r>
+              <a:rPr lang="en-US" sz="1200" b="1" err="1"/>
+              <a:t>Portefeuille</a:t>
+            </a:r>
+            <a:endParaRPr lang="en-US" sz="1200" b="1" dirty="0">
+              <a:ea typeface="+mn-lt"/>
+              <a:cs typeface="+mn-lt"/>
+            </a:endParaRPr>
+          </a:p>
+          <a:p>
+            <a:pPr lvl="1">
+              <a:buFont typeface="Courier New" panose="020B0604020202020204" pitchFamily="34" charset="0"/>
+              <a:buChar char="o"/>
+            </a:pPr>
+            <a:r>
+              <a:rPr lang="en-US" sz="1200" err="1">
+                <a:ea typeface="+mn-lt"/>
+                <a:cs typeface="+mn-lt"/>
+              </a:rPr>
+              <a:t>Créez</a:t>
+            </a:r>
+            <a:r>
+              <a:rPr lang="en-US" sz="1200" dirty="0">
+                <a:ea typeface="+mn-lt"/>
+                <a:cs typeface="+mn-lt"/>
+              </a:rPr>
+              <a:t> et </a:t>
+            </a:r>
+            <a:r>
+              <a:rPr lang="en-US" sz="1200" err="1">
+                <a:ea typeface="+mn-lt"/>
+                <a:cs typeface="+mn-lt"/>
+              </a:rPr>
+              <a:t>gérez</a:t>
+            </a:r>
+            <a:r>
+              <a:rPr lang="en-US" sz="1200" dirty="0">
+                <a:ea typeface="+mn-lt"/>
+                <a:cs typeface="+mn-lt"/>
+              </a:rPr>
+              <a:t> un </a:t>
+            </a:r>
+            <a:r>
+              <a:rPr lang="en-US" sz="1200" err="1">
+                <a:ea typeface="+mn-lt"/>
+                <a:cs typeface="+mn-lt"/>
+              </a:rPr>
+              <a:t>portefeuille</a:t>
+            </a:r>
+            <a:r>
+              <a:rPr lang="en-US" sz="1200" dirty="0">
+                <a:ea typeface="+mn-lt"/>
+                <a:cs typeface="+mn-lt"/>
+              </a:rPr>
+              <a:t> multi-devises.</a:t>
+            </a:r>
+            <a:endParaRPr lang="en-US" sz="1200"/>
+          </a:p>
+          <a:p>
+            <a:pPr lvl="1">
+              <a:buFont typeface="Courier New" panose="020B0604020202020204" pitchFamily="34" charset="0"/>
+              <a:buChar char="o"/>
+            </a:pPr>
+            <a:r>
+              <a:rPr lang="en-US" sz="1200" err="1">
+                <a:ea typeface="+mn-lt"/>
+                <a:cs typeface="+mn-lt"/>
+              </a:rPr>
+              <a:t>Convertissez</a:t>
+            </a:r>
+            <a:r>
+              <a:rPr lang="en-US" sz="1200" dirty="0">
+                <a:ea typeface="+mn-lt"/>
+                <a:cs typeface="+mn-lt"/>
+              </a:rPr>
+              <a:t> </a:t>
+            </a:r>
+            <a:r>
+              <a:rPr lang="en-US" sz="1200" err="1">
+                <a:ea typeface="+mn-lt"/>
+                <a:cs typeface="+mn-lt"/>
+              </a:rPr>
+              <a:t>facilement</a:t>
+            </a:r>
+            <a:r>
+              <a:rPr lang="en-US" sz="1200" dirty="0">
+                <a:ea typeface="+mn-lt"/>
+                <a:cs typeface="+mn-lt"/>
+              </a:rPr>
+              <a:t> entre cryptos et </a:t>
+            </a:r>
+            <a:r>
+              <a:rPr lang="en-US" sz="1200" err="1">
+                <a:ea typeface="+mn-lt"/>
+                <a:cs typeface="+mn-lt"/>
+              </a:rPr>
+              <a:t>monnaies</a:t>
+            </a:r>
+            <a:r>
+              <a:rPr lang="en-US" sz="1200" dirty="0">
+                <a:ea typeface="+mn-lt"/>
+                <a:cs typeface="+mn-lt"/>
+              </a:rPr>
+              <a:t> </a:t>
+            </a:r>
+            <a:r>
+              <a:rPr lang="en-US" sz="1200" err="1">
+                <a:ea typeface="+mn-lt"/>
+                <a:cs typeface="+mn-lt"/>
+              </a:rPr>
+              <a:t>fiduciaires</a:t>
+            </a:r>
+            <a:r>
+              <a:rPr lang="en-US" sz="1200" dirty="0">
+                <a:ea typeface="+mn-lt"/>
+                <a:cs typeface="+mn-lt"/>
+              </a:rPr>
+              <a:t>.</a:t>
+            </a:r>
+            <a:endParaRPr lang="en-US" sz="1200"/>
+          </a:p>
+          <a:p>
+            <a:pPr marL="514350" indent="-514350">
+              <a:buAutoNum type="arabicPeriod"/>
+            </a:pPr>
+            <a:r>
+              <a:rPr lang="en-US" sz="1200" b="1" dirty="0"/>
+              <a:t>Transactions </a:t>
+            </a:r>
+            <a:r>
+              <a:rPr lang="en-US" sz="1200" b="1" err="1"/>
+              <a:t>Sécurisées</a:t>
+            </a:r>
+            <a:endParaRPr lang="en-US" sz="1200" dirty="0">
+              <a:ea typeface="+mn-lt"/>
+              <a:cs typeface="+mn-lt"/>
+            </a:endParaRPr>
+          </a:p>
+          <a:p>
+            <a:pPr lvl="1">
+              <a:buFont typeface="Courier New" panose="020B0604020202020204" pitchFamily="34" charset="0"/>
+              <a:buChar char="o"/>
+            </a:pPr>
+            <a:r>
+              <a:rPr lang="en-US" sz="1200" err="1">
+                <a:ea typeface="+mn-lt"/>
+                <a:cs typeface="+mn-lt"/>
+              </a:rPr>
+              <a:t>Envoyez</a:t>
+            </a:r>
+            <a:r>
+              <a:rPr lang="en-US" sz="1200" dirty="0">
+                <a:ea typeface="+mn-lt"/>
+                <a:cs typeface="+mn-lt"/>
+              </a:rPr>
+              <a:t> et </a:t>
+            </a:r>
+            <a:r>
+              <a:rPr lang="en-US" sz="1200" err="1">
+                <a:ea typeface="+mn-lt"/>
+                <a:cs typeface="+mn-lt"/>
+              </a:rPr>
+              <a:t>recevez</a:t>
+            </a:r>
+            <a:r>
+              <a:rPr lang="en-US" sz="1200" dirty="0">
+                <a:ea typeface="+mn-lt"/>
+                <a:cs typeface="+mn-lt"/>
+              </a:rPr>
+              <a:t> des </a:t>
+            </a:r>
+            <a:r>
+              <a:rPr lang="en-US" sz="1200" err="1">
+                <a:ea typeface="+mn-lt"/>
+                <a:cs typeface="+mn-lt"/>
+              </a:rPr>
+              <a:t>paiements</a:t>
+            </a:r>
+            <a:r>
+              <a:rPr lang="en-US" sz="1200" dirty="0">
+                <a:ea typeface="+mn-lt"/>
+                <a:cs typeface="+mn-lt"/>
+              </a:rPr>
+              <a:t> </a:t>
+            </a:r>
+            <a:r>
+              <a:rPr lang="en-US" sz="1200" err="1">
+                <a:ea typeface="+mn-lt"/>
+                <a:cs typeface="+mn-lt"/>
+              </a:rPr>
+              <a:t>en</a:t>
+            </a:r>
+            <a:r>
+              <a:rPr lang="en-US" sz="1200" dirty="0">
+                <a:ea typeface="+mn-lt"/>
+                <a:cs typeface="+mn-lt"/>
+              </a:rPr>
+              <a:t> </a:t>
+            </a:r>
+            <a:r>
+              <a:rPr lang="en-US" sz="1200" err="1">
+                <a:ea typeface="+mn-lt"/>
+                <a:cs typeface="+mn-lt"/>
+              </a:rPr>
+              <a:t>cryptomonnaie</a:t>
+            </a:r>
+            <a:r>
+              <a:rPr lang="en-US" sz="1200" dirty="0">
+                <a:ea typeface="+mn-lt"/>
+                <a:cs typeface="+mn-lt"/>
+              </a:rPr>
+              <a:t> et </a:t>
+            </a:r>
+            <a:r>
+              <a:rPr lang="en-US" sz="1200" err="1">
+                <a:ea typeface="+mn-lt"/>
+                <a:cs typeface="+mn-lt"/>
+              </a:rPr>
+              <a:t>en</a:t>
+            </a:r>
+            <a:r>
+              <a:rPr lang="en-US" sz="1200" dirty="0">
+                <a:ea typeface="+mn-lt"/>
+                <a:cs typeface="+mn-lt"/>
+              </a:rPr>
+              <a:t> devises </a:t>
+            </a:r>
+            <a:r>
+              <a:rPr lang="en-US" sz="1200" err="1">
+                <a:ea typeface="+mn-lt"/>
+                <a:cs typeface="+mn-lt"/>
+              </a:rPr>
+              <a:t>classiques</a:t>
+            </a:r>
+            <a:r>
+              <a:rPr lang="en-US" sz="1200" dirty="0">
+                <a:ea typeface="+mn-lt"/>
+                <a:cs typeface="+mn-lt"/>
+              </a:rPr>
+              <a:t>.</a:t>
+            </a:r>
+            <a:endParaRPr lang="en-US" sz="1200"/>
+          </a:p>
+          <a:p>
+            <a:pPr lvl="1">
+              <a:buFont typeface="Courier New" panose="020B0604020202020204" pitchFamily="34" charset="0"/>
+              <a:buChar char="o"/>
+            </a:pPr>
+            <a:r>
+              <a:rPr lang="en-US" sz="1200" err="1">
+                <a:ea typeface="+mn-lt"/>
+                <a:cs typeface="+mn-lt"/>
+              </a:rPr>
+              <a:t>Sécurisation</a:t>
+            </a:r>
+            <a:r>
+              <a:rPr lang="en-US" sz="1200" dirty="0">
+                <a:ea typeface="+mn-lt"/>
+                <a:cs typeface="+mn-lt"/>
+              </a:rPr>
+              <a:t> avec </a:t>
+            </a:r>
+            <a:r>
+              <a:rPr lang="en-US" sz="1200" err="1">
+                <a:ea typeface="+mn-lt"/>
+                <a:cs typeface="+mn-lt"/>
+              </a:rPr>
+              <a:t>authentification</a:t>
+            </a:r>
+            <a:r>
+              <a:rPr lang="en-US" sz="1200" dirty="0">
+                <a:ea typeface="+mn-lt"/>
+                <a:cs typeface="+mn-lt"/>
+              </a:rPr>
+              <a:t> multi-</a:t>
+            </a:r>
+            <a:r>
+              <a:rPr lang="en-US" sz="1200" err="1">
+                <a:ea typeface="+mn-lt"/>
+                <a:cs typeface="+mn-lt"/>
+              </a:rPr>
+              <a:t>facteurs</a:t>
+            </a:r>
+            <a:r>
+              <a:rPr lang="en-US" sz="1200" dirty="0">
+                <a:ea typeface="+mn-lt"/>
+                <a:cs typeface="+mn-lt"/>
+              </a:rPr>
+              <a:t> et </a:t>
+            </a:r>
+            <a:r>
+              <a:rPr lang="en-US" sz="1200" err="1">
+                <a:ea typeface="+mn-lt"/>
+                <a:cs typeface="+mn-lt"/>
+              </a:rPr>
+              <a:t>chiffrement</a:t>
+            </a:r>
+            <a:r>
+              <a:rPr lang="en-US" sz="1200" dirty="0">
+                <a:ea typeface="+mn-lt"/>
+                <a:cs typeface="+mn-lt"/>
+              </a:rPr>
+              <a:t> </a:t>
+            </a:r>
+            <a:r>
+              <a:rPr lang="en-US" sz="1200" err="1">
+                <a:ea typeface="+mn-lt"/>
+                <a:cs typeface="+mn-lt"/>
+              </a:rPr>
+              <a:t>avancé</a:t>
+            </a:r>
+            <a:r>
+              <a:rPr lang="en-US" sz="1200" dirty="0">
+                <a:ea typeface="+mn-lt"/>
+                <a:cs typeface="+mn-lt"/>
+              </a:rPr>
+              <a:t>.</a:t>
+            </a:r>
+            <a:endParaRPr lang="en-US" sz="1200"/>
+          </a:p>
+          <a:p>
+            <a:pPr marL="514350" indent="-514350">
+              <a:buAutoNum type="arabicPeriod"/>
+            </a:pPr>
+            <a:r>
+              <a:rPr lang="en-US" sz="1200" b="1" err="1"/>
+              <a:t>Vérification</a:t>
+            </a:r>
+            <a:r>
+              <a:rPr lang="en-US" sz="1200" b="1" dirty="0"/>
+              <a:t> KYC &amp; </a:t>
+            </a:r>
+            <a:r>
+              <a:rPr lang="en-US" sz="1200" b="1" err="1"/>
+              <a:t>Conformité</a:t>
+            </a:r>
+            <a:endParaRPr lang="en-US" sz="1200" b="1" dirty="0">
+              <a:ea typeface="+mn-lt"/>
+              <a:cs typeface="+mn-lt"/>
+            </a:endParaRPr>
+          </a:p>
+          <a:p>
+            <a:pPr lvl="1">
+              <a:buFont typeface="Courier New" panose="020B0604020202020204" pitchFamily="34" charset="0"/>
+              <a:buChar char="o"/>
+            </a:pPr>
+            <a:r>
+              <a:rPr lang="en-US" sz="1200" err="1">
+                <a:ea typeface="+mn-lt"/>
+                <a:cs typeface="+mn-lt"/>
+              </a:rPr>
+              <a:t>Vérification</a:t>
+            </a:r>
+            <a:r>
+              <a:rPr lang="en-US" sz="1200" dirty="0">
+                <a:ea typeface="+mn-lt"/>
+                <a:cs typeface="+mn-lt"/>
+              </a:rPr>
+              <a:t> </a:t>
+            </a:r>
+            <a:r>
+              <a:rPr lang="en-US" sz="1200" err="1">
+                <a:ea typeface="+mn-lt"/>
+                <a:cs typeface="+mn-lt"/>
+              </a:rPr>
+              <a:t>d'identité</a:t>
+            </a:r>
+            <a:r>
+              <a:rPr lang="en-US" sz="1200" dirty="0">
+                <a:ea typeface="+mn-lt"/>
+                <a:cs typeface="+mn-lt"/>
+              </a:rPr>
+              <a:t> </a:t>
+            </a:r>
+            <a:r>
+              <a:rPr lang="en-US" sz="1200" err="1">
+                <a:ea typeface="+mn-lt"/>
+                <a:cs typeface="+mn-lt"/>
+              </a:rPr>
+              <a:t>rapide</a:t>
+            </a:r>
+            <a:r>
+              <a:rPr lang="en-US" sz="1200" dirty="0">
+                <a:ea typeface="+mn-lt"/>
+                <a:cs typeface="+mn-lt"/>
+              </a:rPr>
+              <a:t> et </a:t>
+            </a:r>
+            <a:r>
+              <a:rPr lang="en-US" sz="1200" err="1">
+                <a:ea typeface="+mn-lt"/>
+                <a:cs typeface="+mn-lt"/>
+              </a:rPr>
+              <a:t>sécurisée</a:t>
+            </a:r>
+            <a:r>
+              <a:rPr lang="en-US" sz="1200" dirty="0">
+                <a:ea typeface="+mn-lt"/>
+                <a:cs typeface="+mn-lt"/>
+              </a:rPr>
+              <a:t> pour </a:t>
+            </a:r>
+            <a:r>
+              <a:rPr lang="en-US" sz="1200" err="1">
+                <a:ea typeface="+mn-lt"/>
+                <a:cs typeface="+mn-lt"/>
+              </a:rPr>
+              <a:t>éviter</a:t>
+            </a:r>
+            <a:r>
+              <a:rPr lang="en-US" sz="1200" dirty="0">
+                <a:ea typeface="+mn-lt"/>
+                <a:cs typeface="+mn-lt"/>
+              </a:rPr>
+              <a:t> la </a:t>
+            </a:r>
+            <a:r>
+              <a:rPr lang="en-US" sz="1200" err="1">
+                <a:ea typeface="+mn-lt"/>
+                <a:cs typeface="+mn-lt"/>
+              </a:rPr>
+              <a:t>fraude</a:t>
+            </a:r>
+            <a:r>
+              <a:rPr lang="en-US" sz="1200" dirty="0">
+                <a:ea typeface="+mn-lt"/>
+                <a:cs typeface="+mn-lt"/>
+              </a:rPr>
+              <a:t>.</a:t>
+            </a:r>
+            <a:endParaRPr lang="en-US" sz="1200"/>
+          </a:p>
+          <a:p>
+            <a:pPr lvl="1">
+              <a:buFont typeface="Courier New" panose="020B0604020202020204" pitchFamily="34" charset="0"/>
+              <a:buChar char="o"/>
+            </a:pPr>
+            <a:r>
+              <a:rPr lang="en-US" sz="1200" dirty="0">
+                <a:ea typeface="+mn-lt"/>
+                <a:cs typeface="+mn-lt"/>
+              </a:rPr>
+              <a:t>Respect des </a:t>
+            </a:r>
+            <a:r>
+              <a:rPr lang="en-US" sz="1200" err="1">
+                <a:ea typeface="+mn-lt"/>
+                <a:cs typeface="+mn-lt"/>
+              </a:rPr>
+              <a:t>normes</a:t>
+            </a:r>
+            <a:r>
+              <a:rPr lang="en-US" sz="1200" dirty="0">
+                <a:ea typeface="+mn-lt"/>
+                <a:cs typeface="+mn-lt"/>
+              </a:rPr>
+              <a:t> de </a:t>
+            </a:r>
+            <a:r>
+              <a:rPr lang="en-US" sz="1200" err="1">
+                <a:ea typeface="+mn-lt"/>
+                <a:cs typeface="+mn-lt"/>
+              </a:rPr>
+              <a:t>conformité</a:t>
+            </a:r>
+            <a:r>
+              <a:rPr lang="en-US" sz="1200" dirty="0">
+                <a:ea typeface="+mn-lt"/>
+                <a:cs typeface="+mn-lt"/>
+              </a:rPr>
+              <a:t> (AML/KYC).</a:t>
+            </a:r>
+            <a:endParaRPr lang="en-US" sz="1200"/>
+          </a:p>
+          <a:p>
+            <a:pPr marL="514350" indent="-514350">
+              <a:buAutoNum type="arabicPeriod"/>
+            </a:pPr>
+            <a:r>
+              <a:rPr lang="en-US" sz="1200" b="1" dirty="0"/>
+              <a:t>Paiements pour les </a:t>
+            </a:r>
+            <a:r>
+              <a:rPr lang="en-US" sz="1200" b="1" err="1"/>
+              <a:t>Commerçants</a:t>
+            </a:r>
+            <a:endParaRPr lang="en-US" sz="1200" dirty="0">
+              <a:ea typeface="+mn-lt"/>
+              <a:cs typeface="+mn-lt"/>
+            </a:endParaRPr>
+          </a:p>
+          <a:p>
+            <a:pPr lvl="1">
+              <a:buFont typeface="Courier New" panose="020B0604020202020204" pitchFamily="34" charset="0"/>
+              <a:buChar char="o"/>
+            </a:pPr>
+            <a:r>
+              <a:rPr lang="en-US" sz="1200" err="1">
+                <a:ea typeface="+mn-lt"/>
+                <a:cs typeface="+mn-lt"/>
+              </a:rPr>
+              <a:t>Acceptez</a:t>
+            </a:r>
+            <a:r>
+              <a:rPr lang="en-US" sz="1200" dirty="0">
+                <a:ea typeface="+mn-lt"/>
+                <a:cs typeface="+mn-lt"/>
+              </a:rPr>
+              <a:t> des </a:t>
+            </a:r>
+            <a:r>
+              <a:rPr lang="en-US" sz="1200" err="1">
+                <a:ea typeface="+mn-lt"/>
+                <a:cs typeface="+mn-lt"/>
+              </a:rPr>
+              <a:t>paiements</a:t>
+            </a:r>
+            <a:r>
+              <a:rPr lang="en-US" sz="1200" dirty="0">
+                <a:ea typeface="+mn-lt"/>
+                <a:cs typeface="+mn-lt"/>
+              </a:rPr>
+              <a:t> </a:t>
+            </a:r>
+            <a:r>
+              <a:rPr lang="en-US" sz="1200" err="1">
+                <a:ea typeface="+mn-lt"/>
+                <a:cs typeface="+mn-lt"/>
+              </a:rPr>
+              <a:t>en</a:t>
+            </a:r>
+            <a:r>
+              <a:rPr lang="en-US" sz="1200" dirty="0">
+                <a:ea typeface="+mn-lt"/>
+                <a:cs typeface="+mn-lt"/>
+              </a:rPr>
+              <a:t> crypto avec conversion </a:t>
+            </a:r>
+            <a:r>
+              <a:rPr lang="en-US" sz="1200" err="1">
+                <a:ea typeface="+mn-lt"/>
+                <a:cs typeface="+mn-lt"/>
+              </a:rPr>
+              <a:t>automatique</a:t>
+            </a:r>
+            <a:r>
+              <a:rPr lang="en-US" sz="1200" dirty="0">
+                <a:ea typeface="+mn-lt"/>
+                <a:cs typeface="+mn-lt"/>
+              </a:rPr>
+              <a:t> </a:t>
+            </a:r>
+            <a:r>
+              <a:rPr lang="en-US" sz="1200" err="1">
+                <a:ea typeface="+mn-lt"/>
+                <a:cs typeface="+mn-lt"/>
+              </a:rPr>
+              <a:t>en</a:t>
+            </a:r>
+            <a:r>
+              <a:rPr lang="en-US" sz="1200" dirty="0">
+                <a:ea typeface="+mn-lt"/>
+                <a:cs typeface="+mn-lt"/>
+              </a:rPr>
+              <a:t> fiat.</a:t>
+            </a:r>
+            <a:endParaRPr lang="en-US" sz="1200"/>
+          </a:p>
+          <a:p>
+            <a:pPr lvl="1">
+              <a:buFont typeface="Courier New" panose="020B0604020202020204" pitchFamily="34" charset="0"/>
+              <a:buChar char="o"/>
+            </a:pPr>
+            <a:r>
+              <a:rPr lang="en-US" sz="1200" err="1">
+                <a:ea typeface="+mn-lt"/>
+                <a:cs typeface="+mn-lt"/>
+              </a:rPr>
+              <a:t>Outils</a:t>
+            </a:r>
+            <a:r>
+              <a:rPr lang="en-US" sz="1200" dirty="0">
+                <a:ea typeface="+mn-lt"/>
+                <a:cs typeface="+mn-lt"/>
+              </a:rPr>
+              <a:t> de </a:t>
+            </a:r>
+            <a:r>
+              <a:rPr lang="en-US" sz="1200" err="1">
+                <a:ea typeface="+mn-lt"/>
+                <a:cs typeface="+mn-lt"/>
+              </a:rPr>
+              <a:t>suivi</a:t>
+            </a:r>
+            <a:r>
+              <a:rPr lang="en-US" sz="1200" dirty="0">
+                <a:ea typeface="+mn-lt"/>
+                <a:cs typeface="+mn-lt"/>
+              </a:rPr>
+              <a:t> et gestion des </a:t>
+            </a:r>
+            <a:r>
+              <a:rPr lang="en-US" sz="1200" err="1">
+                <a:ea typeface="+mn-lt"/>
+                <a:cs typeface="+mn-lt"/>
+              </a:rPr>
+              <a:t>paiements</a:t>
+            </a:r>
+            <a:r>
+              <a:rPr lang="en-US" sz="1200" dirty="0">
+                <a:ea typeface="+mn-lt"/>
+                <a:cs typeface="+mn-lt"/>
+              </a:rPr>
+              <a:t> </a:t>
+            </a:r>
+            <a:r>
+              <a:rPr lang="en-US" sz="1200" err="1">
+                <a:ea typeface="+mn-lt"/>
+                <a:cs typeface="+mn-lt"/>
+              </a:rPr>
+              <a:t>en</a:t>
+            </a:r>
+            <a:r>
+              <a:rPr lang="en-US" sz="1200" dirty="0">
+                <a:ea typeface="+mn-lt"/>
+                <a:cs typeface="+mn-lt"/>
+              </a:rPr>
+              <a:t> temps </a:t>
+            </a:r>
+            <a:r>
+              <a:rPr lang="en-US" sz="1200" err="1">
+                <a:ea typeface="+mn-lt"/>
+                <a:cs typeface="+mn-lt"/>
+              </a:rPr>
+              <a:t>réel</a:t>
+            </a:r>
+            <a:r>
+              <a:rPr lang="en-US" sz="1200" dirty="0">
+                <a:ea typeface="+mn-lt"/>
+                <a:cs typeface="+mn-lt"/>
+              </a:rPr>
+              <a:t>.</a:t>
+            </a:r>
+            <a:endParaRPr lang="en-US" sz="1200"/>
+          </a:p>
+          <a:p>
+            <a:pPr marL="514350" indent="-514350">
+              <a:buAutoNum type="arabicPeriod"/>
+            </a:pPr>
+            <a:r>
+              <a:rPr lang="en-US" sz="1200" b="1" dirty="0"/>
+              <a:t>Gestion des Devises (Nouveau)</a:t>
+            </a:r>
+            <a:endParaRPr lang="en-US" sz="1200" dirty="0">
+              <a:ea typeface="+mn-lt"/>
+              <a:cs typeface="+mn-lt"/>
+            </a:endParaRPr>
+          </a:p>
+          <a:p>
+            <a:pPr lvl="1">
+              <a:buFont typeface="Courier New" panose="020B0604020202020204" pitchFamily="34" charset="0"/>
+              <a:buChar char="o"/>
+            </a:pPr>
+            <a:r>
+              <a:rPr lang="en-US" sz="1200" dirty="0">
+                <a:ea typeface="+mn-lt"/>
+                <a:cs typeface="+mn-lt"/>
+              </a:rPr>
+              <a:t>Support multi-devises avec </a:t>
+            </a:r>
+            <a:r>
+              <a:rPr lang="en-US" sz="1200" err="1">
+                <a:ea typeface="+mn-lt"/>
+                <a:cs typeface="+mn-lt"/>
+              </a:rPr>
+              <a:t>taux</a:t>
+            </a:r>
+            <a:r>
+              <a:rPr lang="en-US" sz="1200" dirty="0">
+                <a:ea typeface="+mn-lt"/>
+                <a:cs typeface="+mn-lt"/>
+              </a:rPr>
+              <a:t> de change mis à jour.</a:t>
+            </a:r>
+            <a:endParaRPr lang="en-US" sz="1200"/>
+          </a:p>
+          <a:p>
+            <a:pPr lvl="1">
+              <a:buFont typeface="Courier New" panose="020B0604020202020204" pitchFamily="34" charset="0"/>
+              <a:buChar char="o"/>
+            </a:pPr>
+            <a:r>
+              <a:rPr lang="en-US" sz="1200" dirty="0">
+                <a:ea typeface="+mn-lt"/>
+                <a:cs typeface="+mn-lt"/>
+              </a:rPr>
+              <a:t>Consultation des </a:t>
+            </a:r>
+            <a:r>
+              <a:rPr lang="en-US" sz="1200" err="1">
+                <a:ea typeface="+mn-lt"/>
+                <a:cs typeface="+mn-lt"/>
+              </a:rPr>
+              <a:t>taux</a:t>
+            </a:r>
+            <a:r>
+              <a:rPr lang="en-US" sz="1200" dirty="0">
+                <a:ea typeface="+mn-lt"/>
+                <a:cs typeface="+mn-lt"/>
+              </a:rPr>
+              <a:t> de change </a:t>
+            </a:r>
+            <a:r>
+              <a:rPr lang="en-US" sz="1200" err="1">
+                <a:ea typeface="+mn-lt"/>
+                <a:cs typeface="+mn-lt"/>
+              </a:rPr>
+              <a:t>passés</a:t>
+            </a:r>
+            <a:r>
+              <a:rPr lang="en-US" sz="1200" dirty="0">
+                <a:ea typeface="+mn-lt"/>
+                <a:cs typeface="+mn-lt"/>
+              </a:rPr>
+              <a:t>.</a:t>
+            </a:r>
+            <a:endParaRPr lang="en-US" sz="1200"/>
+          </a:p>
+          <a:p>
+            <a:pPr lvl="1">
+              <a:buFont typeface="Courier New" panose="020B0604020202020204" pitchFamily="34" charset="0"/>
+              <a:buChar char="o"/>
+            </a:pPr>
+            <a:r>
+              <a:rPr lang="en-US" sz="1200" err="1">
+                <a:ea typeface="+mn-lt"/>
+                <a:cs typeface="+mn-lt"/>
+              </a:rPr>
+              <a:t>Synchronisation</a:t>
+            </a:r>
+            <a:r>
+              <a:rPr lang="en-US" sz="1200" dirty="0">
+                <a:ea typeface="+mn-lt"/>
+                <a:cs typeface="+mn-lt"/>
+              </a:rPr>
+              <a:t> des </a:t>
+            </a:r>
+            <a:r>
+              <a:rPr lang="en-US" sz="1200" err="1">
+                <a:ea typeface="+mn-lt"/>
+                <a:cs typeface="+mn-lt"/>
+              </a:rPr>
+              <a:t>taux</a:t>
+            </a:r>
+            <a:r>
+              <a:rPr lang="en-US" sz="1200" dirty="0">
+                <a:ea typeface="+mn-lt"/>
+                <a:cs typeface="+mn-lt"/>
+              </a:rPr>
+              <a:t> pour </a:t>
+            </a:r>
+            <a:r>
+              <a:rPr lang="en-US" sz="1200" err="1">
+                <a:ea typeface="+mn-lt"/>
+                <a:cs typeface="+mn-lt"/>
+              </a:rPr>
+              <a:t>garantir</a:t>
+            </a:r>
+            <a:r>
+              <a:rPr lang="en-US" sz="1200" dirty="0">
+                <a:ea typeface="+mn-lt"/>
+                <a:cs typeface="+mn-lt"/>
+              </a:rPr>
+              <a:t> des transactions précises.</a:t>
+            </a:r>
+            <a:endParaRPr lang="en-US" sz="1200"/>
+          </a:p>
+          <a:p>
+            <a:pPr marL="514350" indent="-514350">
+              <a:buAutoNum type="arabicPeriod"/>
+            </a:pPr>
+            <a:r>
+              <a:rPr lang="en-US" sz="1200" b="1" err="1"/>
+              <a:t>Outils</a:t>
+            </a:r>
+            <a:r>
+              <a:rPr lang="en-US" sz="1200" b="1" dirty="0"/>
+              <a:t> d’Administration &amp; Support</a:t>
+            </a:r>
+            <a:endParaRPr lang="en-US" sz="1200" dirty="0">
+              <a:ea typeface="+mn-lt"/>
+              <a:cs typeface="+mn-lt"/>
+            </a:endParaRPr>
+          </a:p>
+          <a:p>
+            <a:pPr lvl="1">
+              <a:buFont typeface="Courier New" panose="020B0604020202020204" pitchFamily="34" charset="0"/>
+              <a:buChar char="o"/>
+            </a:pPr>
+            <a:r>
+              <a:rPr lang="en-US" sz="1200" dirty="0">
+                <a:ea typeface="+mn-lt"/>
+                <a:cs typeface="+mn-lt"/>
+              </a:rPr>
+              <a:t>Gestion des </a:t>
+            </a:r>
+            <a:r>
+              <a:rPr lang="en-US" sz="1200" err="1">
+                <a:ea typeface="+mn-lt"/>
+                <a:cs typeface="+mn-lt"/>
+              </a:rPr>
+              <a:t>utilisateurs</a:t>
+            </a:r>
+            <a:r>
+              <a:rPr lang="en-US" sz="1200" dirty="0">
+                <a:ea typeface="+mn-lt"/>
+                <a:cs typeface="+mn-lt"/>
+              </a:rPr>
+              <a:t> et des transactions par les </a:t>
+            </a:r>
+            <a:r>
+              <a:rPr lang="en-US" sz="1200" err="1">
+                <a:ea typeface="+mn-lt"/>
+                <a:cs typeface="+mn-lt"/>
+              </a:rPr>
+              <a:t>administrateurs</a:t>
+            </a:r>
+            <a:r>
+              <a:rPr lang="en-US" sz="1200" dirty="0">
+                <a:ea typeface="+mn-lt"/>
+                <a:cs typeface="+mn-lt"/>
+              </a:rPr>
+              <a:t>.</a:t>
+            </a:r>
+            <a:endParaRPr lang="en-US" sz="1200"/>
+          </a:p>
+          <a:p>
+            <a:pPr lvl="1">
+              <a:buFont typeface="Courier New" panose="020B0604020202020204" pitchFamily="34" charset="0"/>
+              <a:buChar char="o"/>
+            </a:pPr>
+            <a:r>
+              <a:rPr lang="en-US" sz="1200" dirty="0">
+                <a:ea typeface="+mn-lt"/>
+                <a:cs typeface="+mn-lt"/>
+              </a:rPr>
+              <a:t>Assistance </a:t>
+            </a:r>
+            <a:r>
+              <a:rPr lang="en-US" sz="1200" err="1">
+                <a:ea typeface="+mn-lt"/>
+                <a:cs typeface="+mn-lt"/>
+              </a:rPr>
+              <a:t>dédiée</a:t>
+            </a:r>
+            <a:r>
+              <a:rPr lang="en-US" sz="1200" dirty="0">
+                <a:ea typeface="+mn-lt"/>
+                <a:cs typeface="+mn-lt"/>
+              </a:rPr>
+              <a:t> pour les </a:t>
+            </a:r>
+            <a:r>
+              <a:rPr lang="en-US" sz="1200" err="1">
+                <a:ea typeface="+mn-lt"/>
+                <a:cs typeface="+mn-lt"/>
+              </a:rPr>
+              <a:t>utilisateurs</a:t>
+            </a:r>
+            <a:r>
+              <a:rPr lang="en-US" sz="1200" dirty="0">
+                <a:ea typeface="+mn-lt"/>
+                <a:cs typeface="+mn-lt"/>
+              </a:rPr>
+              <a:t> et </a:t>
+            </a:r>
+            <a:r>
+              <a:rPr lang="en-US" sz="1200" err="1">
+                <a:ea typeface="+mn-lt"/>
+                <a:cs typeface="+mn-lt"/>
+              </a:rPr>
+              <a:t>commerçants</a:t>
+            </a:r>
+            <a:r>
+              <a:rPr lang="en-US" sz="1200" dirty="0">
+                <a:ea typeface="+mn-lt"/>
+                <a:cs typeface="+mn-lt"/>
+              </a:rPr>
+              <a:t>.</a:t>
+            </a:r>
+            <a:endParaRPr lang="en-US" sz="1200"/>
+          </a:p>
+          <a:p>
+            <a:pPr marL="514350" indent="-514350">
+              <a:buAutoNum type="arabicPeriod"/>
+            </a:pPr>
+            <a:r>
+              <a:rPr lang="en-US" sz="1200" b="1" dirty="0"/>
+              <a:t>Rapports &amp; </a:t>
+            </a:r>
+            <a:r>
+              <a:rPr lang="en-US" sz="1200" b="1" err="1"/>
+              <a:t>Statistiques</a:t>
+            </a:r>
+            <a:endParaRPr lang="en-US" sz="1200"/>
+          </a:p>
+          <a:p>
+            <a:pPr lvl="1">
+              <a:buFont typeface="Courier New" panose="020B0604020202020204" pitchFamily="34" charset="0"/>
+              <a:buChar char="o"/>
+            </a:pPr>
+            <a:r>
+              <a:rPr lang="en-US" sz="1200" err="1">
+                <a:ea typeface="+mn-lt"/>
+                <a:cs typeface="+mn-lt"/>
+              </a:rPr>
+              <a:t>Accès</a:t>
+            </a:r>
+            <a:r>
+              <a:rPr lang="en-US" sz="1200" dirty="0">
+                <a:ea typeface="+mn-lt"/>
+                <a:cs typeface="+mn-lt"/>
+              </a:rPr>
+              <a:t> à des analyses </a:t>
+            </a:r>
+            <a:r>
+              <a:rPr lang="en-US" sz="1200" err="1">
+                <a:ea typeface="+mn-lt"/>
+                <a:cs typeface="+mn-lt"/>
+              </a:rPr>
+              <a:t>détaillées</a:t>
+            </a:r>
+            <a:r>
+              <a:rPr lang="en-US" sz="1200" dirty="0">
+                <a:ea typeface="+mn-lt"/>
+                <a:cs typeface="+mn-lt"/>
+              </a:rPr>
+              <a:t> sur les transactions et </a:t>
+            </a:r>
+            <a:r>
+              <a:rPr lang="en-US" sz="1200" err="1">
+                <a:ea typeface="+mn-lt"/>
+                <a:cs typeface="+mn-lt"/>
+              </a:rPr>
+              <a:t>l’activité</a:t>
+            </a:r>
+            <a:r>
+              <a:rPr lang="en-US" sz="1200" dirty="0">
+                <a:ea typeface="+mn-lt"/>
+                <a:cs typeface="+mn-lt"/>
+              </a:rPr>
+              <a:t> du </a:t>
+            </a:r>
+            <a:r>
+              <a:rPr lang="en-US" sz="1200" err="1">
+                <a:ea typeface="+mn-lt"/>
+                <a:cs typeface="+mn-lt"/>
+              </a:rPr>
+              <a:t>compte</a:t>
+            </a:r>
+            <a:r>
+              <a:rPr lang="en-US" sz="1200" dirty="0">
+                <a:ea typeface="+mn-lt"/>
+                <a:cs typeface="+mn-lt"/>
+              </a:rPr>
+              <a:t>.</a:t>
+            </a:r>
+            <a:endParaRPr lang="en-US" sz="1200"/>
+          </a:p>
+          <a:p>
+            <a:pPr lvl="1">
+              <a:buFont typeface="Courier New" panose="020B0604020202020204" pitchFamily="34" charset="0"/>
+              <a:buChar char="o"/>
+            </a:pPr>
+            <a:r>
+              <a:rPr lang="en-US" sz="1200" err="1">
+                <a:ea typeface="+mn-lt"/>
+                <a:cs typeface="+mn-lt"/>
+              </a:rPr>
+              <a:t>Outils</a:t>
+            </a:r>
+            <a:r>
+              <a:rPr lang="en-US" sz="1200" dirty="0">
+                <a:ea typeface="+mn-lt"/>
+                <a:cs typeface="+mn-lt"/>
+              </a:rPr>
+              <a:t> de </a:t>
+            </a:r>
+            <a:r>
+              <a:rPr lang="en-US" sz="1200" err="1">
+                <a:ea typeface="+mn-lt"/>
+                <a:cs typeface="+mn-lt"/>
+              </a:rPr>
+              <a:t>visualisation</a:t>
+            </a:r>
+            <a:r>
+              <a:rPr lang="en-US" sz="1200" dirty="0">
+                <a:ea typeface="+mn-lt"/>
+                <a:cs typeface="+mn-lt"/>
+              </a:rPr>
+              <a:t> pour </a:t>
+            </a:r>
+            <a:r>
+              <a:rPr lang="en-US" sz="1200" err="1">
+                <a:ea typeface="+mn-lt"/>
+                <a:cs typeface="+mn-lt"/>
+              </a:rPr>
+              <a:t>une</a:t>
+            </a:r>
+            <a:r>
+              <a:rPr lang="en-US" sz="1200" dirty="0">
+                <a:ea typeface="+mn-lt"/>
+                <a:cs typeface="+mn-lt"/>
+              </a:rPr>
+              <a:t> </a:t>
+            </a:r>
+            <a:r>
+              <a:rPr lang="en-US" sz="1200" err="1">
+                <a:ea typeface="+mn-lt"/>
+                <a:cs typeface="+mn-lt"/>
+              </a:rPr>
+              <a:t>meilleure</a:t>
+            </a:r>
+            <a:r>
+              <a:rPr lang="en-US" sz="1200" dirty="0">
+                <a:ea typeface="+mn-lt"/>
+                <a:cs typeface="+mn-lt"/>
+              </a:rPr>
+              <a:t> gestion financière.</a:t>
+            </a:r>
+            <a:endParaRPr lang="en-US" sz="1200"/>
+          </a:p>
+          <a:p>
+            <a:pPr indent="-514350">
+              <a:buAutoNum type="arabicPeriod"/>
+            </a:pPr>
+            <a:endParaRPr lang="en-US" sz="1200" dirty="0">
+              <a:ea typeface="+mn-lt"/>
+              <a:cs typeface="+mn-lt"/>
+            </a:endParaRPr>
+          </a:p>
+          <a:p>
+            <a:pPr indent="-514350">
+              <a:buAutoNum type="arabicPeriod"/>
+            </a:pPr>
+            <a:endParaRPr lang="en-US" sz="1200" dirty="0">
+              <a:ea typeface="+mn-lt"/>
+              <a:cs typeface="+mn-lt"/>
+            </a:endParaRPr>
+          </a:p>
+          <a:p>
+            <a:pPr indent="-514350">
+              <a:buAutoNum type="arabicPeriod"/>
+            </a:pPr>
+            <a:endParaRPr lang="en-US" sz="1200" dirty="0">
+              <a:ea typeface="+mn-lt"/>
+              <a:cs typeface="+mn-lt"/>
+            </a:endParaRPr>
+          </a:p>
+          <a:p>
+            <a:pPr>
+              <a:buAutoNum type="arabicPeriod"/>
+            </a:pPr>
+            <a:endParaRPr lang="en-US" sz="1200" b="1" dirty="0">
+              <a:ea typeface="+mn-lt"/>
+              <a:cs typeface="+mn-lt"/>
+            </a:endParaRPr>
+          </a:p>
+        </p:txBody>
+      </p:sp>
+    </p:spTree>
+    <p:extLst>
+      <p:ext uri="{BB962C8B-B14F-4D97-AF65-F5344CB8AC3E}">
+        <p14:creationId xmlns:p14="http://schemas.microsoft.com/office/powerpoint/2010/main" val="2532299547"/>
+      </p:ext>
+    </p:extLst>
+  </p:cSld>
+  <p:clrMapOvr>
+    <a:masterClrMapping/>
+  </p:clrMapOvr>
+</p:sld>
+</file>
+
+<file path=ppt/slides/slide18.xml><?xml version="1.0" encoding="utf-8"?>
+<p:sld xmlns:a="http://schemas.openxmlformats.org/drawingml/2006/main" xmlns:r="http://schemas.openxmlformats.org/officeDocument/2006/relationships" xmlns:p="http://schemas.openxmlformats.org/presentationml/2006/main">
+  <p:cSld>
+    <p:bg>
+      <p:bgPr>
+        <a:solidFill>
+          <a:schemeClr val="bg1"/>
+        </a:solidFill>
+        <a:effectLst/>
+      </p:bgPr>
+    </p:bg>
+    <p:spTree>
+      <p:nvGrpSpPr>
+        <p:cNvPr id="1" name="">
+          <a:extLst>
+            <a:ext uri="{FF2B5EF4-FFF2-40B4-BE49-F238E27FC236}">
+              <a16:creationId xmlns:a16="http://schemas.microsoft.com/office/drawing/2014/main" id="{9E19AAFD-C936-4B08-7873-4FB0FEECDAAD}"/>
+            </a:ext>
+          </a:extLst>
+        </p:cNvPr>
+        <p:cNvGrpSpPr/>
+        <p:nvPr/>
+      </p:nvGrpSpPr>
+      <p:grpSpPr>
+        <a:xfrm>
+          <a:off x="0" y="0"/>
+          <a:ext cx="0" cy="0"/>
+          <a:chOff x="0" y="0"/>
+          <a:chExt cx="0" cy="0"/>
+        </a:xfrm>
+      </p:grpSpPr>
+      <p:sp useBgFill="1">
+        <p:nvSpPr>
+          <p:cNvPr id="43" name="Rectangle 42">
+            <a:extLst>
+              <a:ext uri="{FF2B5EF4-FFF2-40B4-BE49-F238E27FC236}">
+                <a16:creationId xmlns:a16="http://schemas.microsoft.com/office/drawing/2014/main" id="{6959056E-8938-71F7-0BD1-8E7ECF88B5A6}"/>
+              </a:ext>
+              <a:ext uri="{C183D7F6-B498-43B3-948B-1728B52AA6E4}">
+                <adec:decorative xmlns:adec="http://schemas.microsoft.com/office/drawing/2017/decorative" val="1"/>
+              </a:ext>
+            </a:extLst>
+          </p:cNvPr>
+          <p:cNvSpPr>
+            <a:spLocks noGrp="1" noRot="1" noChangeAspect="1" noMove="1" noResize="1" noEditPoints="1" noAdjustHandles="1" noChangeArrowheads="1" noChangeShapeType="1" noTextEdit="1"/>
+          </p:cNvSpPr>
+          <p:nvPr>
+            <p:extLst>
+              <p:ext uri="{386F3935-93C4-4BCD-93E2-E3B085C9AB24}">
+                <p16:designElem xmlns:p16="http://schemas.microsoft.com/office/powerpoint/2015/main" val="1"/>
+              </p:ext>
+            </p:extLst>
+          </p:nvPr>
+        </p:nvSpPr>
+        <p:spPr>
+          <a:xfrm>
+            <a:off x="0" y="0"/>
+            <a:ext cx="12188952" cy="6858000"/>
+          </a:xfrm>
+          <a:prstGeom prst="rect">
+            <a:avLst/>
+          </a:prstGeom>
+          <a:ln>
+            <a:noFill/>
+          </a:ln>
+        </p:spPr>
+        <p:style>
+          <a:lnRef idx="2">
+            <a:schemeClr val="accent1">
+              <a:shade val="50000"/>
+            </a:schemeClr>
+          </a:lnRef>
+          <a:fillRef idx="1">
+            <a:schemeClr val="accent1"/>
+          </a:fillRef>
+          <a:effectRef idx="0">
+            <a:schemeClr val="accent1"/>
+          </a:effectRef>
+          <a:fontRef idx="minor">
+            <a:schemeClr val="lt1"/>
+          </a:fontRef>
+        </p:style>
+        <p:txBody>
+          <a:bodyPr rtlCol="0" anchor="ctr"/>
+          <a:lstStyle/>
+          <a:p>
+            <a:pPr algn="ctr"/>
+            <a:endParaRPr lang="en-US"/>
+          </a:p>
+        </p:txBody>
+      </p:sp>
+      <p:sp>
+        <p:nvSpPr>
+          <p:cNvPr id="2" name="Title 1">
+            <a:extLst>
+              <a:ext uri="{FF2B5EF4-FFF2-40B4-BE49-F238E27FC236}">
+                <a16:creationId xmlns:a16="http://schemas.microsoft.com/office/drawing/2014/main" id="{60384CE5-E602-2412-43C7-BE6B0307B859}"/>
+              </a:ext>
+            </a:extLst>
+          </p:cNvPr>
+          <p:cNvSpPr>
+            <a:spLocks noGrp="1"/>
+          </p:cNvSpPr>
+          <p:nvPr>
+            <p:ph type="title"/>
+          </p:nvPr>
+        </p:nvSpPr>
+        <p:spPr>
+          <a:xfrm>
             <a:off x="838200" y="365125"/>
             <a:ext cx="10922695" cy="1325563"/>
           </a:xfrm>
@@ -9976,7 +11731,7 @@
           <p:cNvPr id="45" name="sketch line">
             <a:extLst>
               <a:ext uri="{FF2B5EF4-FFF2-40B4-BE49-F238E27FC236}">
-                <a16:creationId xmlns:a16="http://schemas.microsoft.com/office/drawing/2014/main" id="{DB17E863-922E-4C26-BD64-E8FD41D28661}"/>
+                <a16:creationId xmlns:a16="http://schemas.microsoft.com/office/drawing/2014/main" id="{4A518BBF-6C30-CF47-EE78-5F9B118585A4}"/>
               </a:ext>
               <a:ext uri="{C183D7F6-B498-43B3-948B-1728B52AA6E4}">
                 <adec:decorative xmlns:adec="http://schemas.microsoft.com/office/drawing/2017/decorative" val="1"/>
@@ -10572,7 +12327,7 @@
             <a:round/>
             <a:extLst>
               <a:ext uri="{C807C97D-BFC1-408E-A445-0C87EB9F89A2}">
-                <ask:lineSketchStyleProps xmlns:ask="http://schemas.microsoft.com/office/drawing/2018/sketchyshapes" sd="1219033472">
+                <ask:lineSketchStyleProps xmlns:ask="http://schemas.microsoft.com/office/drawing/2018/sketchyshapes" xmlns="" sd="1219033472">
                   <a:prstGeom prst="rect">
                     <a:avLst/>
                   </a:prstGeom>
@@ -10614,7 +12369,7 @@
           <p:cNvPr id="3" name="Content Placeholder 2">
             <a:extLst>
               <a:ext uri="{FF2B5EF4-FFF2-40B4-BE49-F238E27FC236}">
-                <a16:creationId xmlns:a16="http://schemas.microsoft.com/office/drawing/2014/main" id="{100B63F1-EEA9-83CF-BC4E-171C0F5F7419}"/>
+                <a16:creationId xmlns:a16="http://schemas.microsoft.com/office/drawing/2014/main" id="{3526D145-A9C9-2BF7-E3DA-27A81311CDBE}"/>
               </a:ext>
             </a:extLst>
           </p:cNvPr>
@@ -11133,7 +12888,7 @@
     </p:spTree>
     <p:extLst>
       <p:ext uri="{BB962C8B-B14F-4D97-AF65-F5344CB8AC3E}">
-        <p14:creationId xmlns:p14="http://schemas.microsoft.com/office/powerpoint/2010/main" val="2532299547"/>
+        <p14:creationId xmlns:p14="http://schemas.microsoft.com/office/powerpoint/2010/main" val="2741378103"/>
       </p:ext>
     </p:extLst>
   </p:cSld>
@@ -11143,7 +12898,7 @@
 </p:sld>
 </file>
 
-<file path=ppt/slides/slide18.xml><?xml version="1.0" encoding="utf-8"?>
+<file path=ppt/slides/slide19.xml><?xml version="1.0" encoding="utf-8"?>
 <p:sld xmlns:a="http://schemas.openxmlformats.org/drawingml/2006/main" xmlns:r="http://schemas.openxmlformats.org/officeDocument/2006/relationships" xmlns:p="http://schemas.openxmlformats.org/presentationml/2006/main">
   <p:cSld>
     <p:bg>
@@ -11888,7 +13643,7 @@
             <a:round/>
             <a:extLst>
               <a:ext uri="{C807C97D-BFC1-408E-A445-0C87EB9F89A2}">
-                <ask:lineSketchStyleProps xmlns:ask="http://schemas.microsoft.com/office/drawing/2018/sketchyshapes" sd="1219033472">
+                <ask:lineSketchStyleProps xmlns:ask="http://schemas.microsoft.com/office/drawing/2018/sketchyshapes" xmlns="" sd="1219033472">
                   <a:prstGeom prst="rect">
                     <a:avLst/>
                   </a:prstGeom>
@@ -12307,7 +14062,944 @@
 </p:sld>
 </file>
 
-<file path=ppt/slides/slide19.xml><?xml version="1.0" encoding="utf-8"?>
+<file path=ppt/slides/slide2.xml><?xml version="1.0" encoding="utf-8"?>
+<p:sld xmlns:a="http://schemas.openxmlformats.org/drawingml/2006/main" xmlns:r="http://schemas.openxmlformats.org/officeDocument/2006/relationships" xmlns:p="http://schemas.openxmlformats.org/presentationml/2006/main">
+  <p:cSld>
+    <p:bg>
+      <p:bgPr>
+        <a:solidFill>
+          <a:schemeClr val="bg1"/>
+        </a:solidFill>
+        <a:effectLst/>
+      </p:bgPr>
+    </p:bg>
+    <p:spTree>
+      <p:nvGrpSpPr>
+        <p:cNvPr id="1" name=""/>
+        <p:cNvGrpSpPr/>
+        <p:nvPr/>
+      </p:nvGrpSpPr>
+      <p:grpSpPr>
+        <a:xfrm>
+          <a:off x="0" y="0"/>
+          <a:ext cx="0" cy="0"/>
+          <a:chOff x="0" y="0"/>
+          <a:chExt cx="0" cy="0"/>
+        </a:xfrm>
+      </p:grpSpPr>
+      <p:sp useBgFill="1">
+        <p:nvSpPr>
+          <p:cNvPr id="17" name="Rectangle 16">
+            <a:extLst>
+              <a:ext uri="{FF2B5EF4-FFF2-40B4-BE49-F238E27FC236}">
+                <a16:creationId xmlns:a16="http://schemas.microsoft.com/office/drawing/2014/main" id="{F13C74B1-5B17-4795-BED0-7140497B445A}"/>
+              </a:ext>
+              <a:ext uri="{C183D7F6-B498-43B3-948B-1728B52AA6E4}">
+                <adec:decorative xmlns:adec="http://schemas.microsoft.com/office/drawing/2017/decorative" val="1"/>
+              </a:ext>
+            </a:extLst>
+          </p:cNvPr>
+          <p:cNvSpPr>
+            <a:spLocks noGrp="1" noRot="1" noChangeAspect="1" noMove="1" noResize="1" noEditPoints="1" noAdjustHandles="1" noChangeArrowheads="1" noChangeShapeType="1" noTextEdit="1"/>
+          </p:cNvSpPr>
+          <p:nvPr>
+            <p:extLst>
+              <p:ext uri="{386F3935-93C4-4BCD-93E2-E3B085C9AB24}">
+                <p16:designElem xmlns:p16="http://schemas.microsoft.com/office/powerpoint/2015/main" val="1"/>
+              </p:ext>
+            </p:extLst>
+          </p:nvPr>
+        </p:nvSpPr>
+        <p:spPr>
+          <a:xfrm>
+            <a:off x="0" y="0"/>
+            <a:ext cx="12188952" cy="6858000"/>
+          </a:xfrm>
+          <a:prstGeom prst="rect">
+            <a:avLst/>
+          </a:prstGeom>
+          <a:ln>
+            <a:noFill/>
+          </a:ln>
+        </p:spPr>
+        <p:style>
+          <a:lnRef idx="2">
+            <a:schemeClr val="accent1">
+              <a:shade val="50000"/>
+            </a:schemeClr>
+          </a:lnRef>
+          <a:fillRef idx="1">
+            <a:schemeClr val="accent1"/>
+          </a:fillRef>
+          <a:effectRef idx="0">
+            <a:schemeClr val="accent1"/>
+          </a:effectRef>
+          <a:fontRef idx="minor">
+            <a:schemeClr val="lt1"/>
+          </a:fontRef>
+        </p:style>
+        <p:txBody>
+          <a:bodyPr rtlCol="0" anchor="ctr"/>
+          <a:lstStyle/>
+          <a:p>
+            <a:pPr algn="ctr"/>
+            <a:endParaRPr lang="en-US"/>
+          </a:p>
+        </p:txBody>
+      </p:sp>
+      <p:sp>
+        <p:nvSpPr>
+          <p:cNvPr id="2" name="Title 1">
+            <a:extLst>
+              <a:ext uri="{FF2B5EF4-FFF2-40B4-BE49-F238E27FC236}">
+                <a16:creationId xmlns:a16="http://schemas.microsoft.com/office/drawing/2014/main" id="{626AF22A-E564-F235-A0D0-D92A1F06EDEE}"/>
+              </a:ext>
+            </a:extLst>
+          </p:cNvPr>
+          <p:cNvSpPr>
+            <a:spLocks noGrp="1"/>
+          </p:cNvSpPr>
+          <p:nvPr>
+            <p:ph type="title"/>
+          </p:nvPr>
+        </p:nvSpPr>
+        <p:spPr>
+          <a:xfrm>
+            <a:off x="640080" y="325369"/>
+            <a:ext cx="4368602" cy="1956841"/>
+          </a:xfrm>
+        </p:spPr>
+        <p:txBody>
+          <a:bodyPr anchor="b">
+            <a:normAutofit/>
+          </a:bodyPr>
+          <a:lstStyle/>
+          <a:p>
+            <a:r>
+              <a:rPr lang="en-US" sz="5400">
+                <a:ea typeface="+mj-lt"/>
+                <a:cs typeface="+mj-lt"/>
+              </a:rPr>
+              <a:t>Introduction</a:t>
+            </a:r>
+          </a:p>
+        </p:txBody>
+      </p:sp>
+      <p:sp>
+        <p:nvSpPr>
+          <p:cNvPr id="18" name="sketchy line">
+            <a:extLst>
+              <a:ext uri="{FF2B5EF4-FFF2-40B4-BE49-F238E27FC236}">
+                <a16:creationId xmlns:a16="http://schemas.microsoft.com/office/drawing/2014/main" id="{D4974D33-8DC5-464E-8C6D-BE58F0669C17}"/>
+              </a:ext>
+              <a:ext uri="{C183D7F6-B498-43B3-948B-1728B52AA6E4}">
+                <adec:decorative xmlns:adec="http://schemas.microsoft.com/office/drawing/2017/decorative" val="1"/>
+              </a:ext>
+            </a:extLst>
+          </p:cNvPr>
+          <p:cNvSpPr>
+            <a:spLocks noGrp="1" noRot="1" noChangeAspect="1" noMove="1" noResize="1" noEditPoints="1" noAdjustHandles="1" noChangeArrowheads="1" noChangeShapeType="1" noTextEdit="1"/>
+          </p:cNvSpPr>
+          <p:nvPr>
+            <p:extLst>
+              <p:ext uri="{386F3935-93C4-4BCD-93E2-E3B085C9AB24}">
+                <p16:designElem xmlns:p16="http://schemas.microsoft.com/office/powerpoint/2015/main" val="1"/>
+              </p:ext>
+            </p:extLst>
+          </p:nvPr>
+        </p:nvSpPr>
+        <p:spPr>
+          <a:xfrm>
+            <a:off x="640080" y="2586994"/>
+            <a:ext cx="3474720" cy="18288"/>
+          </a:xfrm>
+          <a:custGeom>
+            <a:avLst/>
+            <a:gdLst>
+              <a:gd name="connsiteX0" fmla="*/ 0 w 3474720"/>
+              <a:gd name="connsiteY0" fmla="*/ 0 h 18288"/>
+              <a:gd name="connsiteX1" fmla="*/ 694944 w 3474720"/>
+              <a:gd name="connsiteY1" fmla="*/ 0 h 18288"/>
+              <a:gd name="connsiteX2" fmla="*/ 1355141 w 3474720"/>
+              <a:gd name="connsiteY2" fmla="*/ 0 h 18288"/>
+              <a:gd name="connsiteX3" fmla="*/ 2015338 w 3474720"/>
+              <a:gd name="connsiteY3" fmla="*/ 0 h 18288"/>
+              <a:gd name="connsiteX4" fmla="*/ 2779776 w 3474720"/>
+              <a:gd name="connsiteY4" fmla="*/ 0 h 18288"/>
+              <a:gd name="connsiteX5" fmla="*/ 3474720 w 3474720"/>
+              <a:gd name="connsiteY5" fmla="*/ 0 h 18288"/>
+              <a:gd name="connsiteX6" fmla="*/ 3474720 w 3474720"/>
+              <a:gd name="connsiteY6" fmla="*/ 18288 h 18288"/>
+              <a:gd name="connsiteX7" fmla="*/ 2779776 w 3474720"/>
+              <a:gd name="connsiteY7" fmla="*/ 18288 h 18288"/>
+              <a:gd name="connsiteX8" fmla="*/ 2189074 w 3474720"/>
+              <a:gd name="connsiteY8" fmla="*/ 18288 h 18288"/>
+              <a:gd name="connsiteX9" fmla="*/ 1528877 w 3474720"/>
+              <a:gd name="connsiteY9" fmla="*/ 18288 h 18288"/>
+              <a:gd name="connsiteX10" fmla="*/ 868680 w 3474720"/>
+              <a:gd name="connsiteY10" fmla="*/ 18288 h 18288"/>
+              <a:gd name="connsiteX11" fmla="*/ 0 w 3474720"/>
+              <a:gd name="connsiteY11" fmla="*/ 18288 h 18288"/>
+              <a:gd name="connsiteX12" fmla="*/ 0 w 3474720"/>
+              <a:gd name="connsiteY12" fmla="*/ 0 h 18288"/>
+            </a:gdLst>
+            <a:ahLst/>
+            <a:cxnLst>
+              <a:cxn ang="0">
+                <a:pos x="connsiteX0" y="connsiteY0"/>
+              </a:cxn>
+              <a:cxn ang="0">
+                <a:pos x="connsiteX1" y="connsiteY1"/>
+              </a:cxn>
+              <a:cxn ang="0">
+                <a:pos x="connsiteX2" y="connsiteY2"/>
+              </a:cxn>
+              <a:cxn ang="0">
+                <a:pos x="connsiteX3" y="connsiteY3"/>
+              </a:cxn>
+              <a:cxn ang="0">
+                <a:pos x="connsiteX4" y="connsiteY4"/>
+              </a:cxn>
+              <a:cxn ang="0">
+                <a:pos x="connsiteX5" y="connsiteY5"/>
+              </a:cxn>
+              <a:cxn ang="0">
+                <a:pos x="connsiteX6" y="connsiteY6"/>
+              </a:cxn>
+              <a:cxn ang="0">
+                <a:pos x="connsiteX7" y="connsiteY7"/>
+              </a:cxn>
+              <a:cxn ang="0">
+                <a:pos x="connsiteX8" y="connsiteY8"/>
+              </a:cxn>
+              <a:cxn ang="0">
+                <a:pos x="connsiteX9" y="connsiteY9"/>
+              </a:cxn>
+              <a:cxn ang="0">
+                <a:pos x="connsiteX10" y="connsiteY10"/>
+              </a:cxn>
+              <a:cxn ang="0">
+                <a:pos x="connsiteX11" y="connsiteY11"/>
+              </a:cxn>
+              <a:cxn ang="0">
+                <a:pos x="connsiteX12" y="connsiteY12"/>
+              </a:cxn>
+            </a:cxnLst>
+            <a:rect l="l" t="t" r="r" b="b"/>
+            <a:pathLst>
+              <a:path w="3474720" h="18288" fill="none" extrusionOk="0">
+                <a:moveTo>
+                  <a:pt x="0" y="0"/>
+                </a:moveTo>
+                <a:cubicBezTo>
+                  <a:pt x="224454" y="-14544"/>
+                  <a:pt x="495407" y="26540"/>
+                  <a:pt x="694944" y="0"/>
+                </a:cubicBezTo>
+                <a:cubicBezTo>
+                  <a:pt x="894481" y="-26540"/>
+                  <a:pt x="1130063" y="24713"/>
+                  <a:pt x="1355141" y="0"/>
+                </a:cubicBezTo>
+                <a:cubicBezTo>
+                  <a:pt x="1580219" y="-24713"/>
+                  <a:pt x="1820099" y="26695"/>
+                  <a:pt x="2015338" y="0"/>
+                </a:cubicBezTo>
+                <a:cubicBezTo>
+                  <a:pt x="2210577" y="-26695"/>
+                  <a:pt x="2402045" y="165"/>
+                  <a:pt x="2779776" y="0"/>
+                </a:cubicBezTo>
+                <a:cubicBezTo>
+                  <a:pt x="3157507" y="-165"/>
+                  <a:pt x="3286859" y="-15571"/>
+                  <a:pt x="3474720" y="0"/>
+                </a:cubicBezTo>
+                <a:cubicBezTo>
+                  <a:pt x="3474286" y="7551"/>
+                  <a:pt x="3474253" y="9822"/>
+                  <a:pt x="3474720" y="18288"/>
+                </a:cubicBezTo>
+                <a:cubicBezTo>
+                  <a:pt x="3233904" y="29845"/>
+                  <a:pt x="2945134" y="-5256"/>
+                  <a:pt x="2779776" y="18288"/>
+                </a:cubicBezTo>
+                <a:cubicBezTo>
+                  <a:pt x="2614418" y="41832"/>
+                  <a:pt x="2339768" y="22709"/>
+                  <a:pt x="2189074" y="18288"/>
+                </a:cubicBezTo>
+                <a:cubicBezTo>
+                  <a:pt x="2038380" y="13867"/>
+                  <a:pt x="1817434" y="-4947"/>
+                  <a:pt x="1528877" y="18288"/>
+                </a:cubicBezTo>
+                <a:cubicBezTo>
+                  <a:pt x="1240320" y="41523"/>
+                  <a:pt x="1042447" y="37198"/>
+                  <a:pt x="868680" y="18288"/>
+                </a:cubicBezTo>
+                <a:cubicBezTo>
+                  <a:pt x="694913" y="-622"/>
+                  <a:pt x="233232" y="44909"/>
+                  <a:pt x="0" y="18288"/>
+                </a:cubicBezTo>
+                <a:cubicBezTo>
+                  <a:pt x="60" y="11696"/>
+                  <a:pt x="66" y="3758"/>
+                  <a:pt x="0" y="0"/>
+                </a:cubicBezTo>
+                <a:close/>
+              </a:path>
+              <a:path w="3474720" h="18288" stroke="0" extrusionOk="0">
+                <a:moveTo>
+                  <a:pt x="0" y="0"/>
+                </a:moveTo>
+                <a:cubicBezTo>
+                  <a:pt x="202328" y="-14716"/>
+                  <a:pt x="332722" y="-11499"/>
+                  <a:pt x="625450" y="0"/>
+                </a:cubicBezTo>
+                <a:cubicBezTo>
+                  <a:pt x="918178" y="11499"/>
+                  <a:pt x="1096688" y="5123"/>
+                  <a:pt x="1389888" y="0"/>
+                </a:cubicBezTo>
+                <a:cubicBezTo>
+                  <a:pt x="1683088" y="-5123"/>
+                  <a:pt x="1835981" y="-14038"/>
+                  <a:pt x="1980590" y="0"/>
+                </a:cubicBezTo>
+                <a:cubicBezTo>
+                  <a:pt x="2125199" y="14038"/>
+                  <a:pt x="2396099" y="-7203"/>
+                  <a:pt x="2571293" y="0"/>
+                </a:cubicBezTo>
+                <a:cubicBezTo>
+                  <a:pt x="2746487" y="7203"/>
+                  <a:pt x="3041609" y="-12036"/>
+                  <a:pt x="3474720" y="0"/>
+                </a:cubicBezTo>
+                <a:cubicBezTo>
+                  <a:pt x="3474638" y="4406"/>
+                  <a:pt x="3474631" y="9982"/>
+                  <a:pt x="3474720" y="18288"/>
+                </a:cubicBezTo>
+                <a:cubicBezTo>
+                  <a:pt x="3324873" y="21876"/>
+                  <a:pt x="3136771" y="12587"/>
+                  <a:pt x="2814523" y="18288"/>
+                </a:cubicBezTo>
+                <a:cubicBezTo>
+                  <a:pt x="2492275" y="23989"/>
+                  <a:pt x="2294402" y="47111"/>
+                  <a:pt x="2154326" y="18288"/>
+                </a:cubicBezTo>
+                <a:cubicBezTo>
+                  <a:pt x="2014250" y="-10535"/>
+                  <a:pt x="1820317" y="33903"/>
+                  <a:pt x="1494130" y="18288"/>
+                </a:cubicBezTo>
+                <a:cubicBezTo>
+                  <a:pt x="1167943" y="2673"/>
+                  <a:pt x="948432" y="14868"/>
+                  <a:pt x="729691" y="18288"/>
+                </a:cubicBezTo>
+                <a:cubicBezTo>
+                  <a:pt x="510950" y="21708"/>
+                  <a:pt x="264032" y="24354"/>
+                  <a:pt x="0" y="18288"/>
+                </a:cubicBezTo>
+                <a:cubicBezTo>
+                  <a:pt x="189" y="14288"/>
+                  <a:pt x="-703" y="3747"/>
+                  <a:pt x="0" y="0"/>
+                </a:cubicBezTo>
+                <a:close/>
+              </a:path>
+            </a:pathLst>
+          </a:custGeom>
+          <a:solidFill>
+            <a:schemeClr val="accent2"/>
+          </a:solidFill>
+          <a:ln w="44450" cap="rnd">
+            <a:solidFill>
+              <a:schemeClr val="accent2"/>
+            </a:solidFill>
+            <a:round/>
+            <a:extLst>
+              <a:ext uri="{C807C97D-BFC1-408E-A445-0C87EB9F89A2}">
+                <ask:lineSketchStyleProps xmlns:ask="http://schemas.microsoft.com/office/drawing/2018/sketchyshapes" xmlns="" sd="2863741219">
+                  <a:prstGeom prst="rect">
+                    <a:avLst/>
+                  </a:prstGeom>
+                  <ask:type>
+                    <ask:lineSketchFreehand/>
+                  </ask:type>
+                </ask:lineSketchStyleProps>
+              </a:ext>
+            </a:extLst>
+          </a:ln>
+        </p:spPr>
+        <p:style>
+          <a:lnRef idx="2">
+            <a:schemeClr val="accent1">
+              <a:shade val="50000"/>
+            </a:schemeClr>
+          </a:lnRef>
+          <a:fillRef idx="1">
+            <a:schemeClr val="accent1"/>
+          </a:fillRef>
+          <a:effectRef idx="0">
+            <a:schemeClr val="accent1"/>
+          </a:effectRef>
+          <a:fontRef idx="minor">
+            <a:schemeClr val="lt1"/>
+          </a:fontRef>
+        </p:style>
+        <p:txBody>
+          <a:bodyPr rtlCol="0" anchor="ctr"/>
+          <a:lstStyle/>
+          <a:p>
+            <a:pPr algn="ctr"/>
+            <a:endParaRPr lang="en-US"/>
+          </a:p>
+        </p:txBody>
+      </p:sp>
+      <p:sp>
+        <p:nvSpPr>
+          <p:cNvPr id="3" name="Content Placeholder 2">
+            <a:extLst>
+              <a:ext uri="{FF2B5EF4-FFF2-40B4-BE49-F238E27FC236}">
+                <a16:creationId xmlns:a16="http://schemas.microsoft.com/office/drawing/2014/main" id="{E0A5E2B7-5396-5371-9E6C-31418225ACC9}"/>
+              </a:ext>
+            </a:extLst>
+          </p:cNvPr>
+          <p:cNvSpPr>
+            <a:spLocks noGrp="1"/>
+          </p:cNvSpPr>
+          <p:nvPr>
+            <p:ph idx="1"/>
+          </p:nvPr>
+        </p:nvSpPr>
+        <p:spPr>
+          <a:xfrm>
+            <a:off x="640080" y="2872899"/>
+            <a:ext cx="4243589" cy="3822237"/>
+          </a:xfrm>
+        </p:spPr>
+        <p:txBody>
+          <a:bodyPr vert="horz" lIns="91440" tIns="45720" rIns="91440" bIns="45720" rtlCol="0" anchor="t">
+            <a:noAutofit/>
+          </a:bodyPr>
+          <a:lstStyle/>
+          <a:p>
+            <a:pPr marL="0" indent="0" algn="just">
+              <a:buNone/>
+            </a:pPr>
+            <a:r>
+              <a:rPr lang="en-US" sz="1800" dirty="0">
+                <a:ea typeface="+mn-lt"/>
+                <a:cs typeface="+mn-lt"/>
+              </a:rPr>
+              <a:t>Avec </a:t>
+            </a:r>
+            <a:r>
+              <a:rPr lang="en-US" sz="1800" dirty="0" err="1">
+                <a:ea typeface="+mn-lt"/>
+                <a:cs typeface="+mn-lt"/>
+              </a:rPr>
+              <a:t>l'émergence</a:t>
+            </a:r>
+            <a:r>
+              <a:rPr lang="en-US" sz="1800" dirty="0">
+                <a:ea typeface="+mn-lt"/>
+                <a:cs typeface="+mn-lt"/>
+              </a:rPr>
+              <a:t> des </a:t>
+            </a:r>
+            <a:r>
+              <a:rPr lang="en-US" sz="1800" dirty="0" err="1">
+                <a:ea typeface="+mn-lt"/>
+                <a:cs typeface="+mn-lt"/>
+              </a:rPr>
+              <a:t>cryptomonnaies</a:t>
+            </a:r>
+            <a:r>
+              <a:rPr lang="en-US" sz="1800" dirty="0">
+                <a:ea typeface="+mn-lt"/>
+                <a:cs typeface="+mn-lt"/>
+              </a:rPr>
+              <a:t> </a:t>
+            </a:r>
+            <a:r>
+              <a:rPr lang="en-US" sz="1800" dirty="0" err="1">
+                <a:ea typeface="+mn-lt"/>
+                <a:cs typeface="+mn-lt"/>
+              </a:rPr>
+              <a:t>comme</a:t>
+            </a:r>
+            <a:r>
+              <a:rPr lang="en-US" sz="1800" dirty="0">
+                <a:ea typeface="+mn-lt"/>
+                <a:cs typeface="+mn-lt"/>
+              </a:rPr>
+              <a:t> solution </a:t>
+            </a:r>
+            <a:r>
+              <a:rPr lang="en-US" sz="1800" dirty="0" err="1">
+                <a:ea typeface="+mn-lt"/>
+                <a:cs typeface="+mn-lt"/>
+              </a:rPr>
+              <a:t>innovante</a:t>
+            </a:r>
+            <a:r>
+              <a:rPr lang="en-US" sz="1800" dirty="0">
+                <a:ea typeface="+mn-lt"/>
+                <a:cs typeface="+mn-lt"/>
+              </a:rPr>
+              <a:t> dans le </a:t>
+            </a:r>
+            <a:r>
+              <a:rPr lang="en-US" sz="1800" dirty="0" err="1">
+                <a:ea typeface="+mn-lt"/>
+                <a:cs typeface="+mn-lt"/>
+              </a:rPr>
+              <a:t>domaine</a:t>
+            </a:r>
+            <a:r>
+              <a:rPr lang="en-US" sz="1800" dirty="0">
+                <a:ea typeface="+mn-lt"/>
+                <a:cs typeface="+mn-lt"/>
+              </a:rPr>
+              <a:t> des finances </a:t>
+            </a:r>
+            <a:r>
+              <a:rPr lang="en-US" sz="1800" dirty="0" err="1">
+                <a:ea typeface="+mn-lt"/>
+                <a:cs typeface="+mn-lt"/>
+              </a:rPr>
+              <a:t>numériques</a:t>
+            </a:r>
+            <a:r>
+              <a:rPr lang="en-US" sz="1800" dirty="0">
+                <a:ea typeface="+mn-lt"/>
+                <a:cs typeface="+mn-lt"/>
+              </a:rPr>
+              <a:t>, </a:t>
+            </a:r>
+            <a:r>
+              <a:rPr lang="en-US" sz="1800" dirty="0" err="1">
+                <a:ea typeface="+mn-lt"/>
+                <a:cs typeface="+mn-lt"/>
+              </a:rPr>
+              <a:t>cette</a:t>
+            </a:r>
+            <a:r>
+              <a:rPr lang="en-US" sz="1800" dirty="0">
+                <a:ea typeface="+mn-lt"/>
+                <a:cs typeface="+mn-lt"/>
+              </a:rPr>
+              <a:t> étude propose le </a:t>
+            </a:r>
+            <a:r>
+              <a:rPr lang="en-US" sz="1800" dirty="0" err="1">
+                <a:ea typeface="+mn-lt"/>
+                <a:cs typeface="+mn-lt"/>
+              </a:rPr>
+              <a:t>développement</a:t>
+            </a:r>
+            <a:r>
+              <a:rPr lang="en-US" sz="1800" dirty="0">
+                <a:ea typeface="+mn-lt"/>
+                <a:cs typeface="+mn-lt"/>
+              </a:rPr>
+              <a:t> </a:t>
+            </a:r>
+            <a:r>
+              <a:rPr lang="en-US" sz="1800" dirty="0" err="1">
+                <a:ea typeface="+mn-lt"/>
+                <a:cs typeface="+mn-lt"/>
+              </a:rPr>
+              <a:t>d'une</a:t>
+            </a:r>
+            <a:r>
+              <a:rPr lang="en-US" sz="1800" dirty="0">
+                <a:ea typeface="+mn-lt"/>
+                <a:cs typeface="+mn-lt"/>
+              </a:rPr>
+              <a:t> </a:t>
+            </a:r>
+            <a:r>
+              <a:rPr lang="en-US" sz="1800" dirty="0" err="1">
+                <a:ea typeface="+mn-lt"/>
+                <a:cs typeface="+mn-lt"/>
+              </a:rPr>
+              <a:t>plateforme</a:t>
+            </a:r>
+            <a:r>
+              <a:rPr lang="en-US" sz="1800" dirty="0">
+                <a:ea typeface="+mn-lt"/>
+                <a:cs typeface="+mn-lt"/>
+              </a:rPr>
+              <a:t> </a:t>
+            </a:r>
+            <a:r>
+              <a:rPr lang="en-US" sz="1800" dirty="0" err="1">
+                <a:ea typeface="+mn-lt"/>
+                <a:cs typeface="+mn-lt"/>
+              </a:rPr>
+              <a:t>dédiée</a:t>
+            </a:r>
+            <a:r>
+              <a:rPr lang="en-US" sz="1800" dirty="0">
+                <a:ea typeface="+mn-lt"/>
+                <a:cs typeface="+mn-lt"/>
+              </a:rPr>
+              <a:t>. Ce </a:t>
+            </a:r>
+            <a:r>
+              <a:rPr lang="en-US" sz="1800" dirty="0" err="1">
+                <a:ea typeface="+mn-lt"/>
+                <a:cs typeface="+mn-lt"/>
+              </a:rPr>
+              <a:t>projet</a:t>
+            </a:r>
+            <a:r>
+              <a:rPr lang="en-US" sz="1800" dirty="0">
+                <a:ea typeface="+mn-lt"/>
+                <a:cs typeface="+mn-lt"/>
+              </a:rPr>
+              <a:t> vise à </a:t>
+            </a:r>
+            <a:r>
+              <a:rPr lang="en-US" sz="1800" dirty="0" err="1">
+                <a:ea typeface="+mn-lt"/>
+                <a:cs typeface="+mn-lt"/>
+              </a:rPr>
+              <a:t>permettre</a:t>
+            </a:r>
+            <a:r>
+              <a:rPr lang="en-US" sz="1800" dirty="0">
+                <a:ea typeface="+mn-lt"/>
+                <a:cs typeface="+mn-lt"/>
+              </a:rPr>
+              <a:t> aux </a:t>
+            </a:r>
+            <a:r>
+              <a:rPr lang="en-US" sz="1800" dirty="0" err="1">
+                <a:ea typeface="+mn-lt"/>
+                <a:cs typeface="+mn-lt"/>
+              </a:rPr>
+              <a:t>utilisateurs</a:t>
+            </a:r>
+            <a:r>
+              <a:rPr lang="en-US" sz="1800" dirty="0">
+                <a:ea typeface="+mn-lt"/>
+                <a:cs typeface="+mn-lt"/>
+              </a:rPr>
+              <a:t> </a:t>
+            </a:r>
+            <a:r>
+              <a:rPr lang="en-US" sz="1800" dirty="0" err="1">
+                <a:ea typeface="+mn-lt"/>
+                <a:cs typeface="+mn-lt"/>
+              </a:rPr>
+              <a:t>tunisiens</a:t>
+            </a:r>
+            <a:r>
+              <a:rPr lang="en-US" sz="1800" dirty="0">
+                <a:ea typeface="+mn-lt"/>
+                <a:cs typeface="+mn-lt"/>
+              </a:rPr>
+              <a:t> et </a:t>
+            </a:r>
+            <a:r>
+              <a:rPr lang="en-US" sz="1800" dirty="0" err="1">
+                <a:ea typeface="+mn-lt"/>
+                <a:cs typeface="+mn-lt"/>
+              </a:rPr>
+              <a:t>internationaux</a:t>
+            </a:r>
+            <a:r>
+              <a:rPr lang="en-US" sz="1800" dirty="0">
+                <a:ea typeface="+mn-lt"/>
+                <a:cs typeface="+mn-lt"/>
+              </a:rPr>
+              <a:t> de </a:t>
+            </a:r>
+            <a:r>
+              <a:rPr lang="en-US" sz="1800" dirty="0" err="1">
+                <a:ea typeface="+mn-lt"/>
+                <a:cs typeface="+mn-lt"/>
+              </a:rPr>
+              <a:t>gérer</a:t>
+            </a:r>
+            <a:r>
+              <a:rPr lang="en-US" sz="1800" dirty="0">
+                <a:ea typeface="+mn-lt"/>
+                <a:cs typeface="+mn-lt"/>
+              </a:rPr>
+              <a:t> des </a:t>
+            </a:r>
+            <a:r>
+              <a:rPr lang="en-US" sz="1800" dirty="0" err="1">
+                <a:ea typeface="+mn-lt"/>
+                <a:cs typeface="+mn-lt"/>
+              </a:rPr>
+              <a:t>cryptomonnaies</a:t>
+            </a:r>
+            <a:r>
+              <a:rPr lang="en-US" sz="1800" dirty="0">
+                <a:ea typeface="+mn-lt"/>
+                <a:cs typeface="+mn-lt"/>
+              </a:rPr>
+              <a:t> de manière </a:t>
+            </a:r>
+            <a:r>
+              <a:rPr lang="en-US" sz="1800" dirty="0" err="1">
+                <a:ea typeface="+mn-lt"/>
+                <a:cs typeface="+mn-lt"/>
+              </a:rPr>
+              <a:t>sécurisée</a:t>
+            </a:r>
+            <a:r>
+              <a:rPr lang="en-US" sz="1800" dirty="0">
+                <a:ea typeface="+mn-lt"/>
+                <a:cs typeface="+mn-lt"/>
+              </a:rPr>
+              <a:t>, tout </a:t>
+            </a:r>
+            <a:r>
+              <a:rPr lang="en-US" sz="1800" dirty="0" err="1">
+                <a:ea typeface="+mn-lt"/>
+                <a:cs typeface="+mn-lt"/>
+              </a:rPr>
+              <a:t>en</a:t>
+            </a:r>
+            <a:r>
+              <a:rPr lang="en-US" sz="1800" dirty="0">
+                <a:ea typeface="+mn-lt"/>
+                <a:cs typeface="+mn-lt"/>
+              </a:rPr>
+              <a:t> </a:t>
+            </a:r>
+            <a:r>
+              <a:rPr lang="en-US" sz="1800" dirty="0" err="1">
+                <a:ea typeface="+mn-lt"/>
+                <a:cs typeface="+mn-lt"/>
+              </a:rPr>
+              <a:t>respectant</a:t>
+            </a:r>
+            <a:r>
+              <a:rPr lang="en-US" sz="1800" dirty="0">
+                <a:ea typeface="+mn-lt"/>
+                <a:cs typeface="+mn-lt"/>
+              </a:rPr>
+              <a:t> les standards </a:t>
+            </a:r>
+            <a:r>
+              <a:rPr lang="en-US" sz="1800" dirty="0" err="1">
+                <a:ea typeface="+mn-lt"/>
+                <a:cs typeface="+mn-lt"/>
+              </a:rPr>
+              <a:t>internationaux</a:t>
+            </a:r>
+            <a:r>
+              <a:rPr lang="en-US" sz="1800" dirty="0">
+                <a:ea typeface="+mn-lt"/>
+                <a:cs typeface="+mn-lt"/>
+              </a:rPr>
+              <a:t> de </a:t>
+            </a:r>
+            <a:r>
+              <a:rPr lang="en-US" sz="1800" dirty="0" err="1">
+                <a:ea typeface="+mn-lt"/>
+                <a:cs typeface="+mn-lt"/>
+              </a:rPr>
+              <a:t>conformité</a:t>
+            </a:r>
+            <a:r>
+              <a:rPr lang="en-US" sz="1800" dirty="0">
+                <a:ea typeface="+mn-lt"/>
+                <a:cs typeface="+mn-lt"/>
+              </a:rPr>
+              <a:t> et de </a:t>
+            </a:r>
+            <a:r>
+              <a:rPr lang="en-US" sz="1800" dirty="0" err="1">
+                <a:ea typeface="+mn-lt"/>
+                <a:cs typeface="+mn-lt"/>
+              </a:rPr>
+              <a:t>sécurité</a:t>
+            </a:r>
+            <a:r>
+              <a:rPr lang="en-US" sz="1800" dirty="0">
+                <a:ea typeface="+mn-lt"/>
+                <a:cs typeface="+mn-lt"/>
+              </a:rPr>
+              <a:t>.</a:t>
+            </a:r>
+          </a:p>
+        </p:txBody>
+      </p:sp>
+      <p:pic>
+        <p:nvPicPr>
+          <p:cNvPr id="4" name="Picture 3" descr="A group of coins on a green surface&#10;&#10;Description automatically generated">
+            <a:extLst>
+              <a:ext uri="{FF2B5EF4-FFF2-40B4-BE49-F238E27FC236}">
+                <a16:creationId xmlns:a16="http://schemas.microsoft.com/office/drawing/2014/main" id="{E2E6D99C-4848-4AA3-9FF3-A823F829524C}"/>
+              </a:ext>
+            </a:extLst>
+          </p:cNvPr>
+          <p:cNvPicPr>
+            <a:picLocks noChangeAspect="1"/>
+          </p:cNvPicPr>
+          <p:nvPr/>
+        </p:nvPicPr>
+        <p:blipFill>
+          <a:blip r:embed="rId2"/>
+          <a:srcRect l="15363" r="28217"/>
+          <a:stretch/>
+        </p:blipFill>
+        <p:spPr>
+          <a:xfrm>
+            <a:off x="5311702" y="10"/>
+            <a:ext cx="6878775" cy="6857990"/>
+          </a:xfrm>
+          <a:custGeom>
+            <a:avLst/>
+            <a:gdLst/>
+            <a:ahLst/>
+            <a:cxnLst/>
+            <a:rect l="l" t="t" r="r" b="b"/>
+            <a:pathLst>
+              <a:path w="6878775" h="6858000">
+                <a:moveTo>
+                  <a:pt x="1102973" y="0"/>
+                </a:moveTo>
+                <a:lnTo>
+                  <a:pt x="1160688" y="0"/>
+                </a:lnTo>
+                <a:lnTo>
+                  <a:pt x="983189" y="331786"/>
+                </a:lnTo>
+                <a:cubicBezTo>
+                  <a:pt x="914866" y="469145"/>
+                  <a:pt x="850355" y="608712"/>
+                  <a:pt x="789261" y="750263"/>
+                </a:cubicBezTo>
+                <a:cubicBezTo>
+                  <a:pt x="774307" y="784928"/>
+                  <a:pt x="759992" y="819849"/>
+                  <a:pt x="745295" y="854514"/>
+                </a:cubicBezTo>
+                <a:cubicBezTo>
+                  <a:pt x="756682" y="845393"/>
+                  <a:pt x="765489" y="833492"/>
+                  <a:pt x="770857" y="819975"/>
+                </a:cubicBezTo>
+                <a:cubicBezTo>
+                  <a:pt x="879943" y="589569"/>
+                  <a:pt x="999605" y="365513"/>
+                  <a:pt x="1131329" y="148742"/>
+                </a:cubicBezTo>
+                <a:lnTo>
+                  <a:pt x="1227589" y="0"/>
+                </a:lnTo>
+                <a:lnTo>
+                  <a:pt x="6878775" y="0"/>
+                </a:lnTo>
+                <a:lnTo>
+                  <a:pt x="6878775" y="6858000"/>
+                </a:lnTo>
+                <a:lnTo>
+                  <a:pt x="713521" y="6858000"/>
+                </a:lnTo>
+                <a:lnTo>
+                  <a:pt x="625642" y="6670527"/>
+                </a:lnTo>
+                <a:cubicBezTo>
+                  <a:pt x="507232" y="6398531"/>
+                  <a:pt x="403083" y="6118381"/>
+                  <a:pt x="312785" y="5830359"/>
+                </a:cubicBezTo>
+                <a:cubicBezTo>
+                  <a:pt x="278149" y="5719759"/>
+                  <a:pt x="248879" y="5607635"/>
+                  <a:pt x="212198" y="5480401"/>
+                </a:cubicBezTo>
+                <a:cubicBezTo>
+                  <a:pt x="212208" y="5491601"/>
+                  <a:pt x="212803" y="5502788"/>
+                  <a:pt x="213988" y="5513923"/>
+                </a:cubicBezTo>
+                <a:cubicBezTo>
+                  <a:pt x="264089" y="5723695"/>
+                  <a:pt x="307290" y="5935370"/>
+                  <a:pt x="365826" y="6142729"/>
+                </a:cubicBezTo>
+                <a:cubicBezTo>
+                  <a:pt x="433152" y="6380817"/>
+                  <a:pt x="510068" y="6614016"/>
+                  <a:pt x="597975" y="6841549"/>
+                </a:cubicBezTo>
+                <a:lnTo>
+                  <a:pt x="604824" y="6858000"/>
+                </a:lnTo>
+                <a:lnTo>
+                  <a:pt x="552056" y="6858000"/>
+                </a:lnTo>
+                <a:lnTo>
+                  <a:pt x="539576" y="6828295"/>
+                </a:lnTo>
+                <a:cubicBezTo>
+                  <a:pt x="380597" y="6414594"/>
+                  <a:pt x="260223" y="5988893"/>
+                  <a:pt x="171555" y="5552906"/>
+                </a:cubicBezTo>
+                <a:cubicBezTo>
+                  <a:pt x="91163" y="5157998"/>
+                  <a:pt x="43746" y="4758899"/>
+                  <a:pt x="12305" y="4357388"/>
+                </a:cubicBezTo>
+                <a:cubicBezTo>
+                  <a:pt x="-14281" y="4013908"/>
+                  <a:pt x="4507" y="3672965"/>
+                  <a:pt x="46684" y="3331516"/>
+                </a:cubicBezTo>
+                <a:cubicBezTo>
+                  <a:pt x="127203" y="2664286"/>
+                  <a:pt x="277819" y="2007265"/>
+                  <a:pt x="496065" y="1371196"/>
+                </a:cubicBezTo>
+                <a:cubicBezTo>
+                  <a:pt x="636273" y="966066"/>
+                  <a:pt x="800445" y="573253"/>
+                  <a:pt x="995723" y="196614"/>
+                </a:cubicBezTo>
+                <a:close/>
+              </a:path>
+            </a:pathLst>
+          </a:custGeom>
+        </p:spPr>
+      </p:pic>
+    </p:spTree>
+    <p:extLst>
+      <p:ext uri="{BB962C8B-B14F-4D97-AF65-F5344CB8AC3E}">
+        <p14:creationId xmlns:p14="http://schemas.microsoft.com/office/powerpoint/2010/main" val="3903398138"/>
+      </p:ext>
+    </p:extLst>
+  </p:cSld>
+  <p:clrMapOvr>
+    <a:masterClrMapping/>
+  </p:clrMapOvr>
+</p:sld>
+</file>
+
+<file path=ppt/slides/slide20.xml><?xml version="1.0" encoding="utf-8"?>
 <p:sld xmlns:a="http://schemas.openxmlformats.org/drawingml/2006/main" xmlns:r="http://schemas.openxmlformats.org/officeDocument/2006/relationships" xmlns:p="http://schemas.openxmlformats.org/presentationml/2006/main">
   <p:cSld>
     <p:bg>
@@ -13046,7 +15738,7 @@
             <a:round/>
             <a:extLst>
               <a:ext uri="{C807C97D-BFC1-408E-A445-0C87EB9F89A2}">
-                <ask:lineSketchStyleProps xmlns:ask="http://schemas.microsoft.com/office/drawing/2018/sketchyshapes" sd="1219033472">
+                <ask:lineSketchStyleProps xmlns:ask="http://schemas.microsoft.com/office/drawing/2018/sketchyshapes" xmlns="" sd="1219033472">
                   <a:prstGeom prst="rect">
                     <a:avLst/>
                   </a:prstGeom>
@@ -13227,944 +15919,7 @@
 </p:sld>
 </file>
 
-<file path=ppt/slides/slide2.xml><?xml version="1.0" encoding="utf-8"?>
-<p:sld xmlns:a="http://schemas.openxmlformats.org/drawingml/2006/main" xmlns:r="http://schemas.openxmlformats.org/officeDocument/2006/relationships" xmlns:p="http://schemas.openxmlformats.org/presentationml/2006/main">
-  <p:cSld>
-    <p:bg>
-      <p:bgPr>
-        <a:solidFill>
-          <a:schemeClr val="bg1"/>
-        </a:solidFill>
-        <a:effectLst/>
-      </p:bgPr>
-    </p:bg>
-    <p:spTree>
-      <p:nvGrpSpPr>
-        <p:cNvPr id="1" name=""/>
-        <p:cNvGrpSpPr/>
-        <p:nvPr/>
-      </p:nvGrpSpPr>
-      <p:grpSpPr>
-        <a:xfrm>
-          <a:off x="0" y="0"/>
-          <a:ext cx="0" cy="0"/>
-          <a:chOff x="0" y="0"/>
-          <a:chExt cx="0" cy="0"/>
-        </a:xfrm>
-      </p:grpSpPr>
-      <p:sp useBgFill="1">
-        <p:nvSpPr>
-          <p:cNvPr id="17" name="Rectangle 16">
-            <a:extLst>
-              <a:ext uri="{FF2B5EF4-FFF2-40B4-BE49-F238E27FC236}">
-                <a16:creationId xmlns:a16="http://schemas.microsoft.com/office/drawing/2014/main" id="{F13C74B1-5B17-4795-BED0-7140497B445A}"/>
-              </a:ext>
-              <a:ext uri="{C183D7F6-B498-43B3-948B-1728B52AA6E4}">
-                <adec:decorative xmlns:adec="http://schemas.microsoft.com/office/drawing/2017/decorative" val="1"/>
-              </a:ext>
-            </a:extLst>
-          </p:cNvPr>
-          <p:cNvSpPr>
-            <a:spLocks noGrp="1" noRot="1" noChangeAspect="1" noMove="1" noResize="1" noEditPoints="1" noAdjustHandles="1" noChangeArrowheads="1" noChangeShapeType="1" noTextEdit="1"/>
-          </p:cNvSpPr>
-          <p:nvPr>
-            <p:extLst>
-              <p:ext uri="{386F3935-93C4-4BCD-93E2-E3B085C9AB24}">
-                <p16:designElem xmlns:p16="http://schemas.microsoft.com/office/powerpoint/2015/main" val="1"/>
-              </p:ext>
-            </p:extLst>
-          </p:nvPr>
-        </p:nvSpPr>
-        <p:spPr>
-          <a:xfrm>
-            <a:off x="0" y="0"/>
-            <a:ext cx="12188952" cy="6858000"/>
-          </a:xfrm>
-          <a:prstGeom prst="rect">
-            <a:avLst/>
-          </a:prstGeom>
-          <a:ln>
-            <a:noFill/>
-          </a:ln>
-        </p:spPr>
-        <p:style>
-          <a:lnRef idx="2">
-            <a:schemeClr val="accent1">
-              <a:shade val="50000"/>
-            </a:schemeClr>
-          </a:lnRef>
-          <a:fillRef idx="1">
-            <a:schemeClr val="accent1"/>
-          </a:fillRef>
-          <a:effectRef idx="0">
-            <a:schemeClr val="accent1"/>
-          </a:effectRef>
-          <a:fontRef idx="minor">
-            <a:schemeClr val="lt1"/>
-          </a:fontRef>
-        </p:style>
-        <p:txBody>
-          <a:bodyPr rtlCol="0" anchor="ctr"/>
-          <a:lstStyle/>
-          <a:p>
-            <a:pPr algn="ctr"/>
-            <a:endParaRPr lang="en-US"/>
-          </a:p>
-        </p:txBody>
-      </p:sp>
-      <p:sp>
-        <p:nvSpPr>
-          <p:cNvPr id="2" name="Title 1">
-            <a:extLst>
-              <a:ext uri="{FF2B5EF4-FFF2-40B4-BE49-F238E27FC236}">
-                <a16:creationId xmlns:a16="http://schemas.microsoft.com/office/drawing/2014/main" id="{626AF22A-E564-F235-A0D0-D92A1F06EDEE}"/>
-              </a:ext>
-            </a:extLst>
-          </p:cNvPr>
-          <p:cNvSpPr>
-            <a:spLocks noGrp="1"/>
-          </p:cNvSpPr>
-          <p:nvPr>
-            <p:ph type="title"/>
-          </p:nvPr>
-        </p:nvSpPr>
-        <p:spPr>
-          <a:xfrm>
-            <a:off x="640080" y="325369"/>
-            <a:ext cx="4368602" cy="1956841"/>
-          </a:xfrm>
-        </p:spPr>
-        <p:txBody>
-          <a:bodyPr anchor="b">
-            <a:normAutofit/>
-          </a:bodyPr>
-          <a:lstStyle/>
-          <a:p>
-            <a:r>
-              <a:rPr lang="en-US" sz="5400">
-                <a:ea typeface="+mj-lt"/>
-                <a:cs typeface="+mj-lt"/>
-              </a:rPr>
-              <a:t>Introduction</a:t>
-            </a:r>
-          </a:p>
-        </p:txBody>
-      </p:sp>
-      <p:sp>
-        <p:nvSpPr>
-          <p:cNvPr id="18" name="sketchy line">
-            <a:extLst>
-              <a:ext uri="{FF2B5EF4-FFF2-40B4-BE49-F238E27FC236}">
-                <a16:creationId xmlns:a16="http://schemas.microsoft.com/office/drawing/2014/main" id="{D4974D33-8DC5-464E-8C6D-BE58F0669C17}"/>
-              </a:ext>
-              <a:ext uri="{C183D7F6-B498-43B3-948B-1728B52AA6E4}">
-                <adec:decorative xmlns:adec="http://schemas.microsoft.com/office/drawing/2017/decorative" val="1"/>
-              </a:ext>
-            </a:extLst>
-          </p:cNvPr>
-          <p:cNvSpPr>
-            <a:spLocks noGrp="1" noRot="1" noChangeAspect="1" noMove="1" noResize="1" noEditPoints="1" noAdjustHandles="1" noChangeArrowheads="1" noChangeShapeType="1" noTextEdit="1"/>
-          </p:cNvSpPr>
-          <p:nvPr>
-            <p:extLst>
-              <p:ext uri="{386F3935-93C4-4BCD-93E2-E3B085C9AB24}">
-                <p16:designElem xmlns:p16="http://schemas.microsoft.com/office/powerpoint/2015/main" val="1"/>
-              </p:ext>
-            </p:extLst>
-          </p:nvPr>
-        </p:nvSpPr>
-        <p:spPr>
-          <a:xfrm>
-            <a:off x="640080" y="2586994"/>
-            <a:ext cx="3474720" cy="18288"/>
-          </a:xfrm>
-          <a:custGeom>
-            <a:avLst/>
-            <a:gdLst>
-              <a:gd name="connsiteX0" fmla="*/ 0 w 3474720"/>
-              <a:gd name="connsiteY0" fmla="*/ 0 h 18288"/>
-              <a:gd name="connsiteX1" fmla="*/ 694944 w 3474720"/>
-              <a:gd name="connsiteY1" fmla="*/ 0 h 18288"/>
-              <a:gd name="connsiteX2" fmla="*/ 1355141 w 3474720"/>
-              <a:gd name="connsiteY2" fmla="*/ 0 h 18288"/>
-              <a:gd name="connsiteX3" fmla="*/ 2015338 w 3474720"/>
-              <a:gd name="connsiteY3" fmla="*/ 0 h 18288"/>
-              <a:gd name="connsiteX4" fmla="*/ 2779776 w 3474720"/>
-              <a:gd name="connsiteY4" fmla="*/ 0 h 18288"/>
-              <a:gd name="connsiteX5" fmla="*/ 3474720 w 3474720"/>
-              <a:gd name="connsiteY5" fmla="*/ 0 h 18288"/>
-              <a:gd name="connsiteX6" fmla="*/ 3474720 w 3474720"/>
-              <a:gd name="connsiteY6" fmla="*/ 18288 h 18288"/>
-              <a:gd name="connsiteX7" fmla="*/ 2779776 w 3474720"/>
-              <a:gd name="connsiteY7" fmla="*/ 18288 h 18288"/>
-              <a:gd name="connsiteX8" fmla="*/ 2189074 w 3474720"/>
-              <a:gd name="connsiteY8" fmla="*/ 18288 h 18288"/>
-              <a:gd name="connsiteX9" fmla="*/ 1528877 w 3474720"/>
-              <a:gd name="connsiteY9" fmla="*/ 18288 h 18288"/>
-              <a:gd name="connsiteX10" fmla="*/ 868680 w 3474720"/>
-              <a:gd name="connsiteY10" fmla="*/ 18288 h 18288"/>
-              <a:gd name="connsiteX11" fmla="*/ 0 w 3474720"/>
-              <a:gd name="connsiteY11" fmla="*/ 18288 h 18288"/>
-              <a:gd name="connsiteX12" fmla="*/ 0 w 3474720"/>
-              <a:gd name="connsiteY12" fmla="*/ 0 h 18288"/>
-            </a:gdLst>
-            <a:ahLst/>
-            <a:cxnLst>
-              <a:cxn ang="0">
-                <a:pos x="connsiteX0" y="connsiteY0"/>
-              </a:cxn>
-              <a:cxn ang="0">
-                <a:pos x="connsiteX1" y="connsiteY1"/>
-              </a:cxn>
-              <a:cxn ang="0">
-                <a:pos x="connsiteX2" y="connsiteY2"/>
-              </a:cxn>
-              <a:cxn ang="0">
-                <a:pos x="connsiteX3" y="connsiteY3"/>
-              </a:cxn>
-              <a:cxn ang="0">
-                <a:pos x="connsiteX4" y="connsiteY4"/>
-              </a:cxn>
-              <a:cxn ang="0">
-                <a:pos x="connsiteX5" y="connsiteY5"/>
-              </a:cxn>
-              <a:cxn ang="0">
-                <a:pos x="connsiteX6" y="connsiteY6"/>
-              </a:cxn>
-              <a:cxn ang="0">
-                <a:pos x="connsiteX7" y="connsiteY7"/>
-              </a:cxn>
-              <a:cxn ang="0">
-                <a:pos x="connsiteX8" y="connsiteY8"/>
-              </a:cxn>
-              <a:cxn ang="0">
-                <a:pos x="connsiteX9" y="connsiteY9"/>
-              </a:cxn>
-              <a:cxn ang="0">
-                <a:pos x="connsiteX10" y="connsiteY10"/>
-              </a:cxn>
-              <a:cxn ang="0">
-                <a:pos x="connsiteX11" y="connsiteY11"/>
-              </a:cxn>
-              <a:cxn ang="0">
-                <a:pos x="connsiteX12" y="connsiteY12"/>
-              </a:cxn>
-            </a:cxnLst>
-            <a:rect l="l" t="t" r="r" b="b"/>
-            <a:pathLst>
-              <a:path w="3474720" h="18288" fill="none" extrusionOk="0">
-                <a:moveTo>
-                  <a:pt x="0" y="0"/>
-                </a:moveTo>
-                <a:cubicBezTo>
-                  <a:pt x="224454" y="-14544"/>
-                  <a:pt x="495407" y="26540"/>
-                  <a:pt x="694944" y="0"/>
-                </a:cubicBezTo>
-                <a:cubicBezTo>
-                  <a:pt x="894481" y="-26540"/>
-                  <a:pt x="1130063" y="24713"/>
-                  <a:pt x="1355141" y="0"/>
-                </a:cubicBezTo>
-                <a:cubicBezTo>
-                  <a:pt x="1580219" y="-24713"/>
-                  <a:pt x="1820099" y="26695"/>
-                  <a:pt x="2015338" y="0"/>
-                </a:cubicBezTo>
-                <a:cubicBezTo>
-                  <a:pt x="2210577" y="-26695"/>
-                  <a:pt x="2402045" y="165"/>
-                  <a:pt x="2779776" y="0"/>
-                </a:cubicBezTo>
-                <a:cubicBezTo>
-                  <a:pt x="3157507" y="-165"/>
-                  <a:pt x="3286859" y="-15571"/>
-                  <a:pt x="3474720" y="0"/>
-                </a:cubicBezTo>
-                <a:cubicBezTo>
-                  <a:pt x="3474286" y="7551"/>
-                  <a:pt x="3474253" y="9822"/>
-                  <a:pt x="3474720" y="18288"/>
-                </a:cubicBezTo>
-                <a:cubicBezTo>
-                  <a:pt x="3233904" y="29845"/>
-                  <a:pt x="2945134" y="-5256"/>
-                  <a:pt x="2779776" y="18288"/>
-                </a:cubicBezTo>
-                <a:cubicBezTo>
-                  <a:pt x="2614418" y="41832"/>
-                  <a:pt x="2339768" y="22709"/>
-                  <a:pt x="2189074" y="18288"/>
-                </a:cubicBezTo>
-                <a:cubicBezTo>
-                  <a:pt x="2038380" y="13867"/>
-                  <a:pt x="1817434" y="-4947"/>
-                  <a:pt x="1528877" y="18288"/>
-                </a:cubicBezTo>
-                <a:cubicBezTo>
-                  <a:pt x="1240320" y="41523"/>
-                  <a:pt x="1042447" y="37198"/>
-                  <a:pt x="868680" y="18288"/>
-                </a:cubicBezTo>
-                <a:cubicBezTo>
-                  <a:pt x="694913" y="-622"/>
-                  <a:pt x="233232" y="44909"/>
-                  <a:pt x="0" y="18288"/>
-                </a:cubicBezTo>
-                <a:cubicBezTo>
-                  <a:pt x="60" y="11696"/>
-                  <a:pt x="66" y="3758"/>
-                  <a:pt x="0" y="0"/>
-                </a:cubicBezTo>
-                <a:close/>
-              </a:path>
-              <a:path w="3474720" h="18288" stroke="0" extrusionOk="0">
-                <a:moveTo>
-                  <a:pt x="0" y="0"/>
-                </a:moveTo>
-                <a:cubicBezTo>
-                  <a:pt x="202328" y="-14716"/>
-                  <a:pt x="332722" y="-11499"/>
-                  <a:pt x="625450" y="0"/>
-                </a:cubicBezTo>
-                <a:cubicBezTo>
-                  <a:pt x="918178" y="11499"/>
-                  <a:pt x="1096688" y="5123"/>
-                  <a:pt x="1389888" y="0"/>
-                </a:cubicBezTo>
-                <a:cubicBezTo>
-                  <a:pt x="1683088" y="-5123"/>
-                  <a:pt x="1835981" y="-14038"/>
-                  <a:pt x="1980590" y="0"/>
-                </a:cubicBezTo>
-                <a:cubicBezTo>
-                  <a:pt x="2125199" y="14038"/>
-                  <a:pt x="2396099" y="-7203"/>
-                  <a:pt x="2571293" y="0"/>
-                </a:cubicBezTo>
-                <a:cubicBezTo>
-                  <a:pt x="2746487" y="7203"/>
-                  <a:pt x="3041609" y="-12036"/>
-                  <a:pt x="3474720" y="0"/>
-                </a:cubicBezTo>
-                <a:cubicBezTo>
-                  <a:pt x="3474638" y="4406"/>
-                  <a:pt x="3474631" y="9982"/>
-                  <a:pt x="3474720" y="18288"/>
-                </a:cubicBezTo>
-                <a:cubicBezTo>
-                  <a:pt x="3324873" y="21876"/>
-                  <a:pt x="3136771" y="12587"/>
-                  <a:pt x="2814523" y="18288"/>
-                </a:cubicBezTo>
-                <a:cubicBezTo>
-                  <a:pt x="2492275" y="23989"/>
-                  <a:pt x="2294402" y="47111"/>
-                  <a:pt x="2154326" y="18288"/>
-                </a:cubicBezTo>
-                <a:cubicBezTo>
-                  <a:pt x="2014250" y="-10535"/>
-                  <a:pt x="1820317" y="33903"/>
-                  <a:pt x="1494130" y="18288"/>
-                </a:cubicBezTo>
-                <a:cubicBezTo>
-                  <a:pt x="1167943" y="2673"/>
-                  <a:pt x="948432" y="14868"/>
-                  <a:pt x="729691" y="18288"/>
-                </a:cubicBezTo>
-                <a:cubicBezTo>
-                  <a:pt x="510950" y="21708"/>
-                  <a:pt x="264032" y="24354"/>
-                  <a:pt x="0" y="18288"/>
-                </a:cubicBezTo>
-                <a:cubicBezTo>
-                  <a:pt x="189" y="14288"/>
-                  <a:pt x="-703" y="3747"/>
-                  <a:pt x="0" y="0"/>
-                </a:cubicBezTo>
-                <a:close/>
-              </a:path>
-            </a:pathLst>
-          </a:custGeom>
-          <a:solidFill>
-            <a:schemeClr val="accent2"/>
-          </a:solidFill>
-          <a:ln w="44450" cap="rnd">
-            <a:solidFill>
-              <a:schemeClr val="accent2"/>
-            </a:solidFill>
-            <a:round/>
-            <a:extLst>
-              <a:ext uri="{C807C97D-BFC1-408E-A445-0C87EB9F89A2}">
-                <ask:lineSketchStyleProps xmlns:ask="http://schemas.microsoft.com/office/drawing/2018/sketchyshapes" sd="2863741219">
-                  <a:prstGeom prst="rect">
-                    <a:avLst/>
-                  </a:prstGeom>
-                  <ask:type>
-                    <ask:lineSketchFreehand/>
-                  </ask:type>
-                </ask:lineSketchStyleProps>
-              </a:ext>
-            </a:extLst>
-          </a:ln>
-        </p:spPr>
-        <p:style>
-          <a:lnRef idx="2">
-            <a:schemeClr val="accent1">
-              <a:shade val="50000"/>
-            </a:schemeClr>
-          </a:lnRef>
-          <a:fillRef idx="1">
-            <a:schemeClr val="accent1"/>
-          </a:fillRef>
-          <a:effectRef idx="0">
-            <a:schemeClr val="accent1"/>
-          </a:effectRef>
-          <a:fontRef idx="minor">
-            <a:schemeClr val="lt1"/>
-          </a:fontRef>
-        </p:style>
-        <p:txBody>
-          <a:bodyPr rtlCol="0" anchor="ctr"/>
-          <a:lstStyle/>
-          <a:p>
-            <a:pPr algn="ctr"/>
-            <a:endParaRPr lang="en-US"/>
-          </a:p>
-        </p:txBody>
-      </p:sp>
-      <p:sp>
-        <p:nvSpPr>
-          <p:cNvPr id="3" name="Content Placeholder 2">
-            <a:extLst>
-              <a:ext uri="{FF2B5EF4-FFF2-40B4-BE49-F238E27FC236}">
-                <a16:creationId xmlns:a16="http://schemas.microsoft.com/office/drawing/2014/main" id="{E0A5E2B7-5396-5371-9E6C-31418225ACC9}"/>
-              </a:ext>
-            </a:extLst>
-          </p:cNvPr>
-          <p:cNvSpPr>
-            <a:spLocks noGrp="1"/>
-          </p:cNvSpPr>
-          <p:nvPr>
-            <p:ph idx="1"/>
-          </p:nvPr>
-        </p:nvSpPr>
-        <p:spPr>
-          <a:xfrm>
-            <a:off x="640080" y="2872899"/>
-            <a:ext cx="4243589" cy="3822237"/>
-          </a:xfrm>
-        </p:spPr>
-        <p:txBody>
-          <a:bodyPr vert="horz" lIns="91440" tIns="45720" rIns="91440" bIns="45720" rtlCol="0" anchor="t">
-            <a:noAutofit/>
-          </a:bodyPr>
-          <a:lstStyle/>
-          <a:p>
-            <a:pPr marL="0" indent="0" algn="just">
-              <a:buNone/>
-            </a:pPr>
-            <a:r>
-              <a:rPr lang="en-US" sz="1800" dirty="0">
-                <a:ea typeface="+mn-lt"/>
-                <a:cs typeface="+mn-lt"/>
-              </a:rPr>
-              <a:t>Avec </a:t>
-            </a:r>
-            <a:r>
-              <a:rPr lang="en-US" sz="1800" dirty="0" err="1">
-                <a:ea typeface="+mn-lt"/>
-                <a:cs typeface="+mn-lt"/>
-              </a:rPr>
-              <a:t>l'émergence</a:t>
-            </a:r>
-            <a:r>
-              <a:rPr lang="en-US" sz="1800" dirty="0">
-                <a:ea typeface="+mn-lt"/>
-                <a:cs typeface="+mn-lt"/>
-              </a:rPr>
-              <a:t> des </a:t>
-            </a:r>
-            <a:r>
-              <a:rPr lang="en-US" sz="1800" dirty="0" err="1">
-                <a:ea typeface="+mn-lt"/>
-                <a:cs typeface="+mn-lt"/>
-              </a:rPr>
-              <a:t>cryptomonnaies</a:t>
-            </a:r>
-            <a:r>
-              <a:rPr lang="en-US" sz="1800" dirty="0">
-                <a:ea typeface="+mn-lt"/>
-                <a:cs typeface="+mn-lt"/>
-              </a:rPr>
-              <a:t> </a:t>
-            </a:r>
-            <a:r>
-              <a:rPr lang="en-US" sz="1800" dirty="0" err="1">
-                <a:ea typeface="+mn-lt"/>
-                <a:cs typeface="+mn-lt"/>
-              </a:rPr>
-              <a:t>comme</a:t>
-            </a:r>
-            <a:r>
-              <a:rPr lang="en-US" sz="1800" dirty="0">
-                <a:ea typeface="+mn-lt"/>
-                <a:cs typeface="+mn-lt"/>
-              </a:rPr>
-              <a:t> solution </a:t>
-            </a:r>
-            <a:r>
-              <a:rPr lang="en-US" sz="1800" dirty="0" err="1">
-                <a:ea typeface="+mn-lt"/>
-                <a:cs typeface="+mn-lt"/>
-              </a:rPr>
-              <a:t>innovante</a:t>
-            </a:r>
-            <a:r>
-              <a:rPr lang="en-US" sz="1800" dirty="0">
-                <a:ea typeface="+mn-lt"/>
-                <a:cs typeface="+mn-lt"/>
-              </a:rPr>
-              <a:t> dans le </a:t>
-            </a:r>
-            <a:r>
-              <a:rPr lang="en-US" sz="1800" dirty="0" err="1">
-                <a:ea typeface="+mn-lt"/>
-                <a:cs typeface="+mn-lt"/>
-              </a:rPr>
-              <a:t>domaine</a:t>
-            </a:r>
-            <a:r>
-              <a:rPr lang="en-US" sz="1800" dirty="0">
-                <a:ea typeface="+mn-lt"/>
-                <a:cs typeface="+mn-lt"/>
-              </a:rPr>
-              <a:t> des finances </a:t>
-            </a:r>
-            <a:r>
-              <a:rPr lang="en-US" sz="1800" dirty="0" err="1">
-                <a:ea typeface="+mn-lt"/>
-                <a:cs typeface="+mn-lt"/>
-              </a:rPr>
-              <a:t>numériques</a:t>
-            </a:r>
-            <a:r>
-              <a:rPr lang="en-US" sz="1800" dirty="0">
-                <a:ea typeface="+mn-lt"/>
-                <a:cs typeface="+mn-lt"/>
-              </a:rPr>
-              <a:t>, </a:t>
-            </a:r>
-            <a:r>
-              <a:rPr lang="en-US" sz="1800" dirty="0" err="1">
-                <a:ea typeface="+mn-lt"/>
-                <a:cs typeface="+mn-lt"/>
-              </a:rPr>
-              <a:t>cette</a:t>
-            </a:r>
-            <a:r>
-              <a:rPr lang="en-US" sz="1800" dirty="0">
-                <a:ea typeface="+mn-lt"/>
-                <a:cs typeface="+mn-lt"/>
-              </a:rPr>
-              <a:t> étude propose le </a:t>
-            </a:r>
-            <a:r>
-              <a:rPr lang="en-US" sz="1800" dirty="0" err="1">
-                <a:ea typeface="+mn-lt"/>
-                <a:cs typeface="+mn-lt"/>
-              </a:rPr>
-              <a:t>développement</a:t>
-            </a:r>
-            <a:r>
-              <a:rPr lang="en-US" sz="1800" dirty="0">
-                <a:ea typeface="+mn-lt"/>
-                <a:cs typeface="+mn-lt"/>
-              </a:rPr>
-              <a:t> </a:t>
-            </a:r>
-            <a:r>
-              <a:rPr lang="en-US" sz="1800" dirty="0" err="1">
-                <a:ea typeface="+mn-lt"/>
-                <a:cs typeface="+mn-lt"/>
-              </a:rPr>
-              <a:t>d'une</a:t>
-            </a:r>
-            <a:r>
-              <a:rPr lang="en-US" sz="1800" dirty="0">
-                <a:ea typeface="+mn-lt"/>
-                <a:cs typeface="+mn-lt"/>
-              </a:rPr>
-              <a:t> </a:t>
-            </a:r>
-            <a:r>
-              <a:rPr lang="en-US" sz="1800" dirty="0" err="1">
-                <a:ea typeface="+mn-lt"/>
-                <a:cs typeface="+mn-lt"/>
-              </a:rPr>
-              <a:t>plateforme</a:t>
-            </a:r>
-            <a:r>
-              <a:rPr lang="en-US" sz="1800" dirty="0">
-                <a:ea typeface="+mn-lt"/>
-                <a:cs typeface="+mn-lt"/>
-              </a:rPr>
-              <a:t> </a:t>
-            </a:r>
-            <a:r>
-              <a:rPr lang="en-US" sz="1800" dirty="0" err="1">
-                <a:ea typeface="+mn-lt"/>
-                <a:cs typeface="+mn-lt"/>
-              </a:rPr>
-              <a:t>dédiée</a:t>
-            </a:r>
-            <a:r>
-              <a:rPr lang="en-US" sz="1800" dirty="0">
-                <a:ea typeface="+mn-lt"/>
-                <a:cs typeface="+mn-lt"/>
-              </a:rPr>
-              <a:t>. Ce </a:t>
-            </a:r>
-            <a:r>
-              <a:rPr lang="en-US" sz="1800" dirty="0" err="1">
-                <a:ea typeface="+mn-lt"/>
-                <a:cs typeface="+mn-lt"/>
-              </a:rPr>
-              <a:t>projet</a:t>
-            </a:r>
-            <a:r>
-              <a:rPr lang="en-US" sz="1800" dirty="0">
-                <a:ea typeface="+mn-lt"/>
-                <a:cs typeface="+mn-lt"/>
-              </a:rPr>
-              <a:t> vise à </a:t>
-            </a:r>
-            <a:r>
-              <a:rPr lang="en-US" sz="1800" dirty="0" err="1">
-                <a:ea typeface="+mn-lt"/>
-                <a:cs typeface="+mn-lt"/>
-              </a:rPr>
-              <a:t>permettre</a:t>
-            </a:r>
-            <a:r>
-              <a:rPr lang="en-US" sz="1800" dirty="0">
-                <a:ea typeface="+mn-lt"/>
-                <a:cs typeface="+mn-lt"/>
-              </a:rPr>
-              <a:t> aux </a:t>
-            </a:r>
-            <a:r>
-              <a:rPr lang="en-US" sz="1800" dirty="0" err="1">
-                <a:ea typeface="+mn-lt"/>
-                <a:cs typeface="+mn-lt"/>
-              </a:rPr>
-              <a:t>utilisateurs</a:t>
-            </a:r>
-            <a:r>
-              <a:rPr lang="en-US" sz="1800" dirty="0">
-                <a:ea typeface="+mn-lt"/>
-                <a:cs typeface="+mn-lt"/>
-              </a:rPr>
-              <a:t> </a:t>
-            </a:r>
-            <a:r>
-              <a:rPr lang="en-US" sz="1800" dirty="0" err="1">
-                <a:ea typeface="+mn-lt"/>
-                <a:cs typeface="+mn-lt"/>
-              </a:rPr>
-              <a:t>tunisiens</a:t>
-            </a:r>
-            <a:r>
-              <a:rPr lang="en-US" sz="1800" dirty="0">
-                <a:ea typeface="+mn-lt"/>
-                <a:cs typeface="+mn-lt"/>
-              </a:rPr>
-              <a:t> et </a:t>
-            </a:r>
-            <a:r>
-              <a:rPr lang="en-US" sz="1800" dirty="0" err="1">
-                <a:ea typeface="+mn-lt"/>
-                <a:cs typeface="+mn-lt"/>
-              </a:rPr>
-              <a:t>internationaux</a:t>
-            </a:r>
-            <a:r>
-              <a:rPr lang="en-US" sz="1800" dirty="0">
-                <a:ea typeface="+mn-lt"/>
-                <a:cs typeface="+mn-lt"/>
-              </a:rPr>
-              <a:t> de </a:t>
-            </a:r>
-            <a:r>
-              <a:rPr lang="en-US" sz="1800" dirty="0" err="1">
-                <a:ea typeface="+mn-lt"/>
-                <a:cs typeface="+mn-lt"/>
-              </a:rPr>
-              <a:t>gérer</a:t>
-            </a:r>
-            <a:r>
-              <a:rPr lang="en-US" sz="1800" dirty="0">
-                <a:ea typeface="+mn-lt"/>
-                <a:cs typeface="+mn-lt"/>
-              </a:rPr>
-              <a:t> des </a:t>
-            </a:r>
-            <a:r>
-              <a:rPr lang="en-US" sz="1800" dirty="0" err="1">
-                <a:ea typeface="+mn-lt"/>
-                <a:cs typeface="+mn-lt"/>
-              </a:rPr>
-              <a:t>cryptomonnaies</a:t>
-            </a:r>
-            <a:r>
-              <a:rPr lang="en-US" sz="1800" dirty="0">
-                <a:ea typeface="+mn-lt"/>
-                <a:cs typeface="+mn-lt"/>
-              </a:rPr>
-              <a:t> de manière </a:t>
-            </a:r>
-            <a:r>
-              <a:rPr lang="en-US" sz="1800" dirty="0" err="1">
-                <a:ea typeface="+mn-lt"/>
-                <a:cs typeface="+mn-lt"/>
-              </a:rPr>
-              <a:t>sécurisée</a:t>
-            </a:r>
-            <a:r>
-              <a:rPr lang="en-US" sz="1800" dirty="0">
-                <a:ea typeface="+mn-lt"/>
-                <a:cs typeface="+mn-lt"/>
-              </a:rPr>
-              <a:t>, tout </a:t>
-            </a:r>
-            <a:r>
-              <a:rPr lang="en-US" sz="1800" dirty="0" err="1">
-                <a:ea typeface="+mn-lt"/>
-                <a:cs typeface="+mn-lt"/>
-              </a:rPr>
-              <a:t>en</a:t>
-            </a:r>
-            <a:r>
-              <a:rPr lang="en-US" sz="1800" dirty="0">
-                <a:ea typeface="+mn-lt"/>
-                <a:cs typeface="+mn-lt"/>
-              </a:rPr>
-              <a:t> </a:t>
-            </a:r>
-            <a:r>
-              <a:rPr lang="en-US" sz="1800" dirty="0" err="1">
-                <a:ea typeface="+mn-lt"/>
-                <a:cs typeface="+mn-lt"/>
-              </a:rPr>
-              <a:t>respectant</a:t>
-            </a:r>
-            <a:r>
-              <a:rPr lang="en-US" sz="1800" dirty="0">
-                <a:ea typeface="+mn-lt"/>
-                <a:cs typeface="+mn-lt"/>
-              </a:rPr>
-              <a:t> les standards </a:t>
-            </a:r>
-            <a:r>
-              <a:rPr lang="en-US" sz="1800" dirty="0" err="1">
-                <a:ea typeface="+mn-lt"/>
-                <a:cs typeface="+mn-lt"/>
-              </a:rPr>
-              <a:t>internationaux</a:t>
-            </a:r>
-            <a:r>
-              <a:rPr lang="en-US" sz="1800" dirty="0">
-                <a:ea typeface="+mn-lt"/>
-                <a:cs typeface="+mn-lt"/>
-              </a:rPr>
-              <a:t> de </a:t>
-            </a:r>
-            <a:r>
-              <a:rPr lang="en-US" sz="1800" dirty="0" err="1">
-                <a:ea typeface="+mn-lt"/>
-                <a:cs typeface="+mn-lt"/>
-              </a:rPr>
-              <a:t>conformité</a:t>
-            </a:r>
-            <a:r>
-              <a:rPr lang="en-US" sz="1800" dirty="0">
-                <a:ea typeface="+mn-lt"/>
-                <a:cs typeface="+mn-lt"/>
-              </a:rPr>
-              <a:t> et de </a:t>
-            </a:r>
-            <a:r>
-              <a:rPr lang="en-US" sz="1800" dirty="0" err="1">
-                <a:ea typeface="+mn-lt"/>
-                <a:cs typeface="+mn-lt"/>
-              </a:rPr>
-              <a:t>sécurité</a:t>
-            </a:r>
-            <a:r>
-              <a:rPr lang="en-US" sz="1800" dirty="0">
-                <a:ea typeface="+mn-lt"/>
-                <a:cs typeface="+mn-lt"/>
-              </a:rPr>
-              <a:t>.</a:t>
-            </a:r>
-          </a:p>
-        </p:txBody>
-      </p:sp>
-      <p:pic>
-        <p:nvPicPr>
-          <p:cNvPr id="4" name="Picture 3" descr="A group of coins on a green surface&#10;&#10;Description automatically generated">
-            <a:extLst>
-              <a:ext uri="{FF2B5EF4-FFF2-40B4-BE49-F238E27FC236}">
-                <a16:creationId xmlns:a16="http://schemas.microsoft.com/office/drawing/2014/main" id="{E2E6D99C-4848-4AA3-9FF3-A823F829524C}"/>
-              </a:ext>
-            </a:extLst>
-          </p:cNvPr>
-          <p:cNvPicPr>
-            <a:picLocks noChangeAspect="1"/>
-          </p:cNvPicPr>
-          <p:nvPr/>
-        </p:nvPicPr>
-        <p:blipFill>
-          <a:blip r:embed="rId2"/>
-          <a:srcRect l="15363" r="28217"/>
-          <a:stretch/>
-        </p:blipFill>
-        <p:spPr>
-          <a:xfrm>
-            <a:off x="5311702" y="10"/>
-            <a:ext cx="6878775" cy="6857990"/>
-          </a:xfrm>
-          <a:custGeom>
-            <a:avLst/>
-            <a:gdLst/>
-            <a:ahLst/>
-            <a:cxnLst/>
-            <a:rect l="l" t="t" r="r" b="b"/>
-            <a:pathLst>
-              <a:path w="6878775" h="6858000">
-                <a:moveTo>
-                  <a:pt x="1102973" y="0"/>
-                </a:moveTo>
-                <a:lnTo>
-                  <a:pt x="1160688" y="0"/>
-                </a:lnTo>
-                <a:lnTo>
-                  <a:pt x="983189" y="331786"/>
-                </a:lnTo>
-                <a:cubicBezTo>
-                  <a:pt x="914866" y="469145"/>
-                  <a:pt x="850355" y="608712"/>
-                  <a:pt x="789261" y="750263"/>
-                </a:cubicBezTo>
-                <a:cubicBezTo>
-                  <a:pt x="774307" y="784928"/>
-                  <a:pt x="759992" y="819849"/>
-                  <a:pt x="745295" y="854514"/>
-                </a:cubicBezTo>
-                <a:cubicBezTo>
-                  <a:pt x="756682" y="845393"/>
-                  <a:pt x="765489" y="833492"/>
-                  <a:pt x="770857" y="819975"/>
-                </a:cubicBezTo>
-                <a:cubicBezTo>
-                  <a:pt x="879943" y="589569"/>
-                  <a:pt x="999605" y="365513"/>
-                  <a:pt x="1131329" y="148742"/>
-                </a:cubicBezTo>
-                <a:lnTo>
-                  <a:pt x="1227589" y="0"/>
-                </a:lnTo>
-                <a:lnTo>
-                  <a:pt x="6878775" y="0"/>
-                </a:lnTo>
-                <a:lnTo>
-                  <a:pt x="6878775" y="6858000"/>
-                </a:lnTo>
-                <a:lnTo>
-                  <a:pt x="713521" y="6858000"/>
-                </a:lnTo>
-                <a:lnTo>
-                  <a:pt x="625642" y="6670527"/>
-                </a:lnTo>
-                <a:cubicBezTo>
-                  <a:pt x="507232" y="6398531"/>
-                  <a:pt x="403083" y="6118381"/>
-                  <a:pt x="312785" y="5830359"/>
-                </a:cubicBezTo>
-                <a:cubicBezTo>
-                  <a:pt x="278149" y="5719759"/>
-                  <a:pt x="248879" y="5607635"/>
-                  <a:pt x="212198" y="5480401"/>
-                </a:cubicBezTo>
-                <a:cubicBezTo>
-                  <a:pt x="212208" y="5491601"/>
-                  <a:pt x="212803" y="5502788"/>
-                  <a:pt x="213988" y="5513923"/>
-                </a:cubicBezTo>
-                <a:cubicBezTo>
-                  <a:pt x="264089" y="5723695"/>
-                  <a:pt x="307290" y="5935370"/>
-                  <a:pt x="365826" y="6142729"/>
-                </a:cubicBezTo>
-                <a:cubicBezTo>
-                  <a:pt x="433152" y="6380817"/>
-                  <a:pt x="510068" y="6614016"/>
-                  <a:pt x="597975" y="6841549"/>
-                </a:cubicBezTo>
-                <a:lnTo>
-                  <a:pt x="604824" y="6858000"/>
-                </a:lnTo>
-                <a:lnTo>
-                  <a:pt x="552056" y="6858000"/>
-                </a:lnTo>
-                <a:lnTo>
-                  <a:pt x="539576" y="6828295"/>
-                </a:lnTo>
-                <a:cubicBezTo>
-                  <a:pt x="380597" y="6414594"/>
-                  <a:pt x="260223" y="5988893"/>
-                  <a:pt x="171555" y="5552906"/>
-                </a:cubicBezTo>
-                <a:cubicBezTo>
-                  <a:pt x="91163" y="5157998"/>
-                  <a:pt x="43746" y="4758899"/>
-                  <a:pt x="12305" y="4357388"/>
-                </a:cubicBezTo>
-                <a:cubicBezTo>
-                  <a:pt x="-14281" y="4013908"/>
-                  <a:pt x="4507" y="3672965"/>
-                  <a:pt x="46684" y="3331516"/>
-                </a:cubicBezTo>
-                <a:cubicBezTo>
-                  <a:pt x="127203" y="2664286"/>
-                  <a:pt x="277819" y="2007265"/>
-                  <a:pt x="496065" y="1371196"/>
-                </a:cubicBezTo>
-                <a:cubicBezTo>
-                  <a:pt x="636273" y="966066"/>
-                  <a:pt x="800445" y="573253"/>
-                  <a:pt x="995723" y="196614"/>
-                </a:cubicBezTo>
-                <a:close/>
-              </a:path>
-            </a:pathLst>
-          </a:custGeom>
-        </p:spPr>
-      </p:pic>
-    </p:spTree>
-    <p:extLst>
-      <p:ext uri="{BB962C8B-B14F-4D97-AF65-F5344CB8AC3E}">
-        <p14:creationId xmlns:p14="http://schemas.microsoft.com/office/powerpoint/2010/main" val="3903398138"/>
-      </p:ext>
-    </p:extLst>
-  </p:cSld>
-  <p:clrMapOvr>
-    <a:masterClrMapping/>
-  </p:clrMapOvr>
-</p:sld>
-</file>
-
-<file path=ppt/slides/slide20.xml><?xml version="1.0" encoding="utf-8"?>
+<file path=ppt/slides/slide21.xml><?xml version="1.0" encoding="utf-8"?>
 <p:sld xmlns:a="http://schemas.openxmlformats.org/drawingml/2006/main" xmlns:r="http://schemas.openxmlformats.org/officeDocument/2006/relationships" xmlns:p="http://schemas.openxmlformats.org/presentationml/2006/main">
   <p:cSld>
     <p:bg>
@@ -15715,7 +17470,7 @@
             <a:round/>
             <a:extLst>
               <a:ext uri="{C807C97D-BFC1-408E-A445-0C87EB9F89A2}">
-                <ask:lineSketchStyleProps xmlns:ask="http://schemas.microsoft.com/office/drawing/2018/sketchyshapes" sd="2727557108">
+                <ask:lineSketchStyleProps xmlns:ask="http://schemas.microsoft.com/office/drawing/2018/sketchyshapes" xmlns="" sd="2727557108">
                   <a:prstGeom prst="rect">
                     <a:avLst/>
                   </a:prstGeom>
@@ -16683,7 +18438,7 @@
             <a:round/>
             <a:extLst>
               <a:ext uri="{C807C97D-BFC1-408E-A445-0C87EB9F89A2}">
-                <ask:lineSketchStyleProps xmlns:ask="http://schemas.microsoft.com/office/drawing/2018/sketchyshapes" sd="2727557108">
+                <ask:lineSketchStyleProps xmlns:ask="http://schemas.microsoft.com/office/drawing/2018/sketchyshapes" xmlns="" sd="2727557108">
                   <a:prstGeom prst="rect">
                     <a:avLst/>
                   </a:prstGeom>
@@ -17890,7 +19645,7 @@
             <a:round/>
             <a:extLst>
               <a:ext uri="{C807C97D-BFC1-408E-A445-0C87EB9F89A2}">
-                <ask:lineSketchStyleProps xmlns:ask="http://schemas.microsoft.com/office/drawing/2018/sketchyshapes" sd="2727557108">
+                <ask:lineSketchStyleProps xmlns:ask="http://schemas.microsoft.com/office/drawing/2018/sketchyshapes" xmlns="" sd="2727557108">
                   <a:prstGeom prst="rect">
                     <a:avLst/>
                   </a:prstGeom>
@@ -19584,7 +21339,7 @@
             <a:round/>
             <a:extLst>
               <a:ext uri="{C807C97D-BFC1-408E-A445-0C87EB9F89A2}">
-                <ask:lineSketchStyleProps xmlns:ask="http://schemas.microsoft.com/office/drawing/2018/sketchyshapes" sd="2727557108">
+                <ask:lineSketchStyleProps xmlns:ask="http://schemas.microsoft.com/office/drawing/2018/sketchyshapes" xmlns="" sd="2727557108">
                   <a:prstGeom prst="rect">
                     <a:avLst/>
                   </a:prstGeom>
@@ -20691,7 +22446,7 @@
             <a:round/>
             <a:extLst>
               <a:ext uri="{C807C97D-BFC1-408E-A445-0C87EB9F89A2}">
-                <ask:lineSketchStyleProps xmlns:ask="http://schemas.microsoft.com/office/drawing/2018/sketchyshapes" sd="1219033472">
+                <ask:lineSketchStyleProps xmlns:ask="http://schemas.microsoft.com/office/drawing/2018/sketchyshapes" xmlns="" sd="1219033472">
                   <a:prstGeom prst="rect">
                     <a:avLst/>
                   </a:prstGeom>
@@ -22028,7 +23783,7 @@
             <a:round/>
             <a:extLst>
               <a:ext uri="{C807C97D-BFC1-408E-A445-0C87EB9F89A2}">
-                <ask:lineSketchStyleProps xmlns:ask="http://schemas.microsoft.com/office/drawing/2018/sketchyshapes" sd="1219033472">
+                <ask:lineSketchStyleProps xmlns:ask="http://schemas.microsoft.com/office/drawing/2018/sketchyshapes" xmlns="" sd="1219033472">
                   <a:prstGeom prst="rect">
                     <a:avLst/>
                   </a:prstGeom>
@@ -23298,7 +25053,7 @@
             <a:round/>
             <a:extLst>
               <a:ext uri="{C807C97D-BFC1-408E-A445-0C87EB9F89A2}">
-                <ask:lineSketchStyleProps xmlns:ask="http://schemas.microsoft.com/office/drawing/2018/sketchyshapes" sd="1219033472">
+                <ask:lineSketchStyleProps xmlns:ask="http://schemas.microsoft.com/office/drawing/2018/sketchyshapes" xmlns="" sd="1219033472">
                   <a:prstGeom prst="rect">
                     <a:avLst/>
                   </a:prstGeom>
